--- a/profile/assets/design.pptx
+++ b/profile/assets/design.pptx
@@ -105,6 +105,11 @@
       </a:defRPr>
     </a:lvl9pPr>
   </p:defaultTextStyle>
+  <p:extLst>
+    <p:ext uri="{EFAFB233-063F-42B5-8137-9DF3F51BA10A}">
+      <p15:sldGuideLst xmlns:p15="http://schemas.microsoft.com/office/powerpoint/2012/main"/>
+    </p:ext>
+  </p:extLst>
 </p:presentation>
 </file>
 
@@ -255,7 +260,7 @@
           <a:p>
             <a:fld id="{6434305D-806E-4D9C-9B71-C341374C4185}" type="datetimeFigureOut">
               <a:rPr lang="en-US" smtClean="0"/>
-              <a:t>1/4/2024</a:t>
+              <a:t>1/5/2024</a:t>
             </a:fld>
             <a:endParaRPr lang="en-US"/>
           </a:p>
@@ -453,7 +458,7 @@
           <a:p>
             <a:fld id="{6434305D-806E-4D9C-9B71-C341374C4185}" type="datetimeFigureOut">
               <a:rPr lang="en-US" smtClean="0"/>
-              <a:t>1/4/2024</a:t>
+              <a:t>1/5/2024</a:t>
             </a:fld>
             <a:endParaRPr lang="en-US"/>
           </a:p>
@@ -661,7 +666,7 @@
           <a:p>
             <a:fld id="{6434305D-806E-4D9C-9B71-C341374C4185}" type="datetimeFigureOut">
               <a:rPr lang="en-US" smtClean="0"/>
-              <a:t>1/4/2024</a:t>
+              <a:t>1/5/2024</a:t>
             </a:fld>
             <a:endParaRPr lang="en-US"/>
           </a:p>
@@ -859,7 +864,7 @@
           <a:p>
             <a:fld id="{6434305D-806E-4D9C-9B71-C341374C4185}" type="datetimeFigureOut">
               <a:rPr lang="en-US" smtClean="0"/>
-              <a:t>1/4/2024</a:t>
+              <a:t>1/5/2024</a:t>
             </a:fld>
             <a:endParaRPr lang="en-US"/>
           </a:p>
@@ -1134,7 +1139,7 @@
           <a:p>
             <a:fld id="{6434305D-806E-4D9C-9B71-C341374C4185}" type="datetimeFigureOut">
               <a:rPr lang="en-US" smtClean="0"/>
-              <a:t>1/4/2024</a:t>
+              <a:t>1/5/2024</a:t>
             </a:fld>
             <a:endParaRPr lang="en-US"/>
           </a:p>
@@ -1399,7 +1404,7 @@
           <a:p>
             <a:fld id="{6434305D-806E-4D9C-9B71-C341374C4185}" type="datetimeFigureOut">
               <a:rPr lang="en-US" smtClean="0"/>
-              <a:t>1/4/2024</a:t>
+              <a:t>1/5/2024</a:t>
             </a:fld>
             <a:endParaRPr lang="en-US"/>
           </a:p>
@@ -1811,7 +1816,7 @@
           <a:p>
             <a:fld id="{6434305D-806E-4D9C-9B71-C341374C4185}" type="datetimeFigureOut">
               <a:rPr lang="en-US" smtClean="0"/>
-              <a:t>1/4/2024</a:t>
+              <a:t>1/5/2024</a:t>
             </a:fld>
             <a:endParaRPr lang="en-US"/>
           </a:p>
@@ -1952,7 +1957,7 @@
           <a:p>
             <a:fld id="{6434305D-806E-4D9C-9B71-C341374C4185}" type="datetimeFigureOut">
               <a:rPr lang="en-US" smtClean="0"/>
-              <a:t>1/4/2024</a:t>
+              <a:t>1/5/2024</a:t>
             </a:fld>
             <a:endParaRPr lang="en-US"/>
           </a:p>
@@ -2065,7 +2070,7 @@
           <a:p>
             <a:fld id="{6434305D-806E-4D9C-9B71-C341374C4185}" type="datetimeFigureOut">
               <a:rPr lang="en-US" smtClean="0"/>
-              <a:t>1/4/2024</a:t>
+              <a:t>1/5/2024</a:t>
             </a:fld>
             <a:endParaRPr lang="en-US"/>
           </a:p>
@@ -2376,7 +2381,7 @@
           <a:p>
             <a:fld id="{6434305D-806E-4D9C-9B71-C341374C4185}" type="datetimeFigureOut">
               <a:rPr lang="en-US" smtClean="0"/>
-              <a:t>1/4/2024</a:t>
+              <a:t>1/5/2024</a:t>
             </a:fld>
             <a:endParaRPr lang="en-US"/>
           </a:p>
@@ -2664,7 +2669,7 @@
           <a:p>
             <a:fld id="{6434305D-806E-4D9C-9B71-C341374C4185}" type="datetimeFigureOut">
               <a:rPr lang="en-US" smtClean="0"/>
-              <a:t>1/4/2024</a:t>
+              <a:t>1/5/2024</a:t>
             </a:fld>
             <a:endParaRPr lang="en-US"/>
           </a:p>
@@ -2905,7 +2910,7 @@
           <a:p>
             <a:fld id="{6434305D-806E-4D9C-9B71-C341374C4185}" type="datetimeFigureOut">
               <a:rPr lang="en-US" smtClean="0"/>
-              <a:t>1/4/2024</a:t>
+              <a:t>1/5/2024</a:t>
             </a:fld>
             <a:endParaRPr lang="en-US"/>
           </a:p>
@@ -4362,113 +4367,12 @@
           <a:chExt cx="0" cy="0"/>
         </a:xfrm>
       </p:grpSpPr>
-      <p:pic>
-        <p:nvPicPr>
-          <p:cNvPr id="5" name="Graphic 4">
-            <a:extLst>
-              <a:ext uri="{FF2B5EF4-FFF2-40B4-BE49-F238E27FC236}">
-                <a16:creationId xmlns:a16="http://schemas.microsoft.com/office/drawing/2014/main" id="{A63C997D-DB04-C701-369B-5848A68D5726}"/>
-              </a:ext>
-            </a:extLst>
-          </p:cNvPr>
-          <p:cNvPicPr>
-            <a:picLocks noChangeAspect="1"/>
-          </p:cNvPicPr>
-          <p:nvPr/>
-        </p:nvPicPr>
-        <p:blipFill rotWithShape="1">
-          <a:blip r:embed="rId2">
-            <a:extLst>
-              <a:ext uri="{28A0092B-C50C-407E-A947-70E740481C1C}">
-                <a14:useLocalDpi xmlns:a14="http://schemas.microsoft.com/office/drawing/2010/main" val="0"/>
-              </a:ext>
-              <a:ext uri="{96DAC541-7B7A-43D3-8B79-37D633B846F1}">
-                <asvg:svgBlip xmlns:asvg="http://schemas.microsoft.com/office/drawing/2016/SVG/main" r:embed="rId3"/>
-              </a:ext>
-            </a:extLst>
-          </a:blip>
-          <a:srcRect l="75469" t="24034" b="32938"/>
-          <a:stretch/>
-        </p:blipFill>
-        <p:spPr>
-          <a:xfrm>
-            <a:off x="4719599" y="2011030"/>
-            <a:ext cx="1678359" cy="1635598"/>
-          </a:xfrm>
-          <a:prstGeom prst="rect">
-            <a:avLst/>
-          </a:prstGeom>
-        </p:spPr>
-      </p:pic>
-      <p:sp>
-        <p:nvSpPr>
-          <p:cNvPr id="6" name="Rectangle: Rounded Corners 5">
-            <a:extLst>
-              <a:ext uri="{FF2B5EF4-FFF2-40B4-BE49-F238E27FC236}">
-                <a16:creationId xmlns:a16="http://schemas.microsoft.com/office/drawing/2014/main" id="{2055798A-F239-FA85-09B8-5979B4296398}"/>
-              </a:ext>
-            </a:extLst>
-          </p:cNvPr>
-          <p:cNvSpPr/>
-          <p:nvPr/>
-        </p:nvSpPr>
-        <p:spPr>
-          <a:xfrm>
-            <a:off x="4719599" y="2011030"/>
-            <a:ext cx="1678360" cy="1635598"/>
-          </a:xfrm>
-          <a:prstGeom prst="roundRect">
-            <a:avLst>
-              <a:gd name="adj" fmla="val 0"/>
-            </a:avLst>
-          </a:prstGeom>
-          <a:solidFill>
-            <a:srgbClr val="FFFFFF">
-              <a:alpha val="74902"/>
-            </a:srgbClr>
-          </a:solidFill>
-          <a:ln>
-            <a:noFill/>
-          </a:ln>
-          <a:effectLst>
-            <a:outerShdw blurRad="50800" dist="38100" dir="5400000" algn="t" rotWithShape="0">
-              <a:prstClr val="black">
-                <a:alpha val="40000"/>
-              </a:prstClr>
-            </a:outerShdw>
-          </a:effectLst>
-        </p:spPr>
-        <p:style>
-          <a:lnRef idx="2">
-            <a:schemeClr val="accent1">
-              <a:shade val="15000"/>
-            </a:schemeClr>
-          </a:lnRef>
-          <a:fillRef idx="1">
-            <a:schemeClr val="accent1"/>
-          </a:fillRef>
-          <a:effectRef idx="0">
-            <a:schemeClr val="accent1"/>
-          </a:effectRef>
-          <a:fontRef idx="minor">
-            <a:schemeClr val="lt1"/>
-          </a:fontRef>
-        </p:style>
-        <p:txBody>
-          <a:bodyPr rtlCol="0" anchor="ctr"/>
-          <a:lstStyle/>
-          <a:p>
-            <a:pPr algn="ctr"/>
-            <a:endParaRPr lang="en-US" dirty="0"/>
-          </a:p>
-        </p:txBody>
-      </p:sp>
       <p:grpSp>
         <p:nvGrpSpPr>
-          <p:cNvPr id="34" name="Group 33">
-            <a:extLst>
-              <a:ext uri="{FF2B5EF4-FFF2-40B4-BE49-F238E27FC236}">
-                <a16:creationId xmlns:a16="http://schemas.microsoft.com/office/drawing/2014/main" id="{B36303B1-7750-9E83-41DE-4BF796CAE1A3}"/>
+          <p:cNvPr id="2" name="Group 1">
+            <a:extLst>
+              <a:ext uri="{FF2B5EF4-FFF2-40B4-BE49-F238E27FC236}">
+                <a16:creationId xmlns:a16="http://schemas.microsoft.com/office/drawing/2014/main" id="{4920BAF6-528F-003B-7103-75A34702C891}"/>
               </a:ext>
             </a:extLst>
           </p:cNvPr>
@@ -4477,25 +4381,56 @@
         </p:nvGrpSpPr>
         <p:grpSpPr>
           <a:xfrm>
-            <a:off x="4930406" y="2287129"/>
-            <a:ext cx="1256744" cy="1083400"/>
-            <a:chOff x="1140531" y="2909006"/>
-            <a:chExt cx="1256744" cy="1083400"/>
+            <a:off x="4719599" y="2011030"/>
+            <a:ext cx="1678360" cy="1635598"/>
+            <a:chOff x="4719599" y="2011030"/>
+            <a:chExt cx="1678360" cy="1635598"/>
           </a:xfrm>
-          <a:effectLst>
-            <a:outerShdw blurRad="50800" dist="38100" dir="2700000" algn="tl" rotWithShape="0">
-              <a:prstClr val="black">
-                <a:alpha val="40000"/>
-              </a:prstClr>
-            </a:outerShdw>
-          </a:effectLst>
         </p:grpSpPr>
+        <p:pic>
+          <p:nvPicPr>
+            <p:cNvPr id="5" name="Graphic 4">
+              <a:extLst>
+                <a:ext uri="{FF2B5EF4-FFF2-40B4-BE49-F238E27FC236}">
+                  <a16:creationId xmlns:a16="http://schemas.microsoft.com/office/drawing/2014/main" id="{A63C997D-DB04-C701-369B-5848A68D5726}"/>
+                </a:ext>
+              </a:extLst>
+            </p:cNvPr>
+            <p:cNvPicPr>
+              <a:picLocks noChangeAspect="1"/>
+            </p:cNvPicPr>
+            <p:nvPr/>
+          </p:nvPicPr>
+          <p:blipFill rotWithShape="1">
+            <a:blip r:embed="rId2">
+              <a:extLst>
+                <a:ext uri="{28A0092B-C50C-407E-A947-70E740481C1C}">
+                  <a14:useLocalDpi xmlns:a14="http://schemas.microsoft.com/office/drawing/2010/main" val="0"/>
+                </a:ext>
+                <a:ext uri="{96DAC541-7B7A-43D3-8B79-37D633B846F1}">
+                  <asvg:svgBlip xmlns:asvg="http://schemas.microsoft.com/office/drawing/2016/SVG/main" r:embed="rId3"/>
+                </a:ext>
+              </a:extLst>
+            </a:blip>
+            <a:srcRect l="75469" t="24034" b="32938"/>
+            <a:stretch/>
+          </p:blipFill>
+          <p:spPr>
+            <a:xfrm>
+              <a:off x="4719599" y="2011030"/>
+              <a:ext cx="1678359" cy="1635598"/>
+            </a:xfrm>
+            <a:prstGeom prst="rect">
+              <a:avLst/>
+            </a:prstGeom>
+          </p:spPr>
+        </p:pic>
         <p:sp>
           <p:nvSpPr>
-            <p:cNvPr id="29" name="Isosceles Triangle 28">
+            <p:cNvPr id="6" name="Rectangle: Rounded Corners 5">
               <a:extLst>
                 <a:ext uri="{FF2B5EF4-FFF2-40B4-BE49-F238E27FC236}">
-                  <a16:creationId xmlns:a16="http://schemas.microsoft.com/office/drawing/2014/main" id="{5A5B7847-3BAF-A64A-F1A1-0DD901FE239E}"/>
+                  <a16:creationId xmlns:a16="http://schemas.microsoft.com/office/drawing/2014/main" id="{2055798A-F239-FA85-09B8-5979B4296398}"/>
                 </a:ext>
               </a:extLst>
             </p:cNvPr>
@@ -4504,28 +4439,23 @@
           </p:nvSpPr>
           <p:spPr>
             <a:xfrm>
-              <a:off x="1146901" y="2909006"/>
-              <a:ext cx="1206383" cy="1039985"/>
+              <a:off x="4719599" y="2011030"/>
+              <a:ext cx="1678360" cy="1635598"/>
             </a:xfrm>
-            <a:prstGeom prst="triangle">
-              <a:avLst/>
+            <a:prstGeom prst="roundRect">
+              <a:avLst>
+                <a:gd name="adj" fmla="val 0"/>
+              </a:avLst>
             </a:prstGeom>
             <a:solidFill>
-              <a:schemeClr val="bg1">
-                <a:lumMod val="95000"/>
-              </a:schemeClr>
+              <a:srgbClr val="FFFFFF">
+                <a:alpha val="74902"/>
+              </a:srgbClr>
             </a:solidFill>
-            <a:ln w="76200" cap="rnd">
+            <a:ln>
               <a:noFill/>
-              <a:round/>
             </a:ln>
-            <a:effectLst>
-              <a:glow rad="25400">
-                <a:schemeClr val="tx1">
-                  <a:alpha val="25000"/>
-                </a:schemeClr>
-              </a:glow>
-            </a:effectLst>
+            <a:effectLst/>
           </p:spPr>
           <p:style>
             <a:lnRef idx="2">
@@ -4548,411 +4478,16 @@
             <a:lstStyle/>
             <a:p>
               <a:pPr algn="ctr"/>
-              <a:endParaRPr lang="en-US"/>
-            </a:p>
-          </p:txBody>
-        </p:sp>
-        <p:pic>
-          <p:nvPicPr>
-            <p:cNvPr id="28" name="Graphic 27">
-              <a:extLst>
-                <a:ext uri="{FF2B5EF4-FFF2-40B4-BE49-F238E27FC236}">
-                  <a16:creationId xmlns:a16="http://schemas.microsoft.com/office/drawing/2014/main" id="{673109F0-75DB-DCC9-BB8B-95E6DCF12AC2}"/>
-                </a:ext>
-              </a:extLst>
-            </p:cNvPr>
-            <p:cNvPicPr>
-              <a:picLocks noChangeAspect="1"/>
-            </p:cNvPicPr>
-            <p:nvPr/>
-          </p:nvPicPr>
-          <p:blipFill>
-            <a:blip r:embed="rId4">
-              <a:extLst>
-                <a:ext uri="{28A0092B-C50C-407E-A947-70E740481C1C}">
-                  <a14:useLocalDpi xmlns:a14="http://schemas.microsoft.com/office/drawing/2010/main" val="0"/>
-                </a:ext>
-                <a:ext uri="{96DAC541-7B7A-43D3-8B79-37D633B846F1}">
-                  <asvg:svgBlip xmlns:asvg="http://schemas.microsoft.com/office/drawing/2016/SVG/main" r:embed="rId5"/>
-                </a:ext>
-              </a:extLst>
-            </a:blip>
-            <a:stretch>
-              <a:fillRect/>
-            </a:stretch>
-          </p:blipFill>
-          <p:spPr>
-            <a:xfrm>
-              <a:off x="1614123" y="3230195"/>
-              <a:ext cx="382504" cy="718796"/>
-            </a:xfrm>
-            <a:prstGeom prst="rect">
-              <a:avLst/>
-            </a:prstGeom>
-          </p:spPr>
-        </p:pic>
-        <p:sp>
-          <p:nvSpPr>
-            <p:cNvPr id="32" name="Graphic 29">
-              <a:extLst>
-                <a:ext uri="{FF2B5EF4-FFF2-40B4-BE49-F238E27FC236}">
-                  <a16:creationId xmlns:a16="http://schemas.microsoft.com/office/drawing/2014/main" id="{51EBC972-B371-FB62-8671-962E2A39E79F}"/>
-                </a:ext>
-              </a:extLst>
-            </p:cNvPr>
-            <p:cNvSpPr/>
-            <p:nvPr/>
-          </p:nvSpPr>
-          <p:spPr>
-            <a:xfrm>
-              <a:off x="1335959" y="3667610"/>
-              <a:ext cx="455349" cy="291824"/>
-            </a:xfrm>
-            <a:custGeom>
-              <a:avLst/>
-              <a:gdLst>
-                <a:gd name="connsiteX0" fmla="*/ 0 w 455348"/>
-                <a:gd name="connsiteY0" fmla="*/ 713188 h 718327"/>
-                <a:gd name="connsiteX1" fmla="*/ 452784 w 455348"/>
-                <a:gd name="connsiteY1" fmla="*/ 718328 h 718327"/>
-                <a:gd name="connsiteX2" fmla="*/ 455349 w 455348"/>
-                <a:gd name="connsiteY2" fmla="*/ 0 h 718327"/>
-                <a:gd name="connsiteX3" fmla="*/ 385252 w 455348"/>
-                <a:gd name="connsiteY3" fmla="*/ 38756 h 718327"/>
-                <a:gd name="connsiteX4" fmla="*/ 135264 w 455348"/>
-                <a:gd name="connsiteY4" fmla="*/ 492998 h 718327"/>
-                <a:gd name="connsiteX5" fmla="*/ 34026 w 455348"/>
-                <a:gd name="connsiteY5" fmla="*/ 630535 h 718327"/>
-                <a:gd name="connsiteX6" fmla="*/ 0 w 455348"/>
-                <a:gd name="connsiteY6" fmla="*/ 713168 h 718327"/>
-                <a:gd name="connsiteX7" fmla="*/ 0 w 455348"/>
-                <a:gd name="connsiteY7" fmla="*/ 713168 h 718327"/>
-                <a:gd name="connsiteX0" fmla="*/ 0 w 455349"/>
-                <a:gd name="connsiteY0" fmla="*/ 713188 h 718328"/>
-                <a:gd name="connsiteX1" fmla="*/ 452784 w 455349"/>
-                <a:gd name="connsiteY1" fmla="*/ 718328 h 718328"/>
-                <a:gd name="connsiteX2" fmla="*/ 455349 w 455349"/>
-                <a:gd name="connsiteY2" fmla="*/ 0 h 718328"/>
-                <a:gd name="connsiteX3" fmla="*/ 385252 w 455349"/>
-                <a:gd name="connsiteY3" fmla="*/ 38756 h 718328"/>
-                <a:gd name="connsiteX4" fmla="*/ 135264 w 455349"/>
-                <a:gd name="connsiteY4" fmla="*/ 492998 h 718328"/>
-                <a:gd name="connsiteX5" fmla="*/ 34026 w 455349"/>
-                <a:gd name="connsiteY5" fmla="*/ 630535 h 718328"/>
-                <a:gd name="connsiteX6" fmla="*/ 0 w 455349"/>
-                <a:gd name="connsiteY6" fmla="*/ 713168 h 718328"/>
-                <a:gd name="connsiteX7" fmla="*/ 0 w 455349"/>
-                <a:gd name="connsiteY7" fmla="*/ 713168 h 718328"/>
-                <a:gd name="connsiteX8" fmla="*/ 0 w 455349"/>
-                <a:gd name="connsiteY8" fmla="*/ 713188 h 718328"/>
-                <a:gd name="connsiteX0" fmla="*/ 0 w 455349"/>
-                <a:gd name="connsiteY0" fmla="*/ 713188 h 718328"/>
-                <a:gd name="connsiteX1" fmla="*/ 452784 w 455349"/>
-                <a:gd name="connsiteY1" fmla="*/ 718328 h 718328"/>
-                <a:gd name="connsiteX2" fmla="*/ 455349 w 455349"/>
-                <a:gd name="connsiteY2" fmla="*/ 0 h 718328"/>
-                <a:gd name="connsiteX3" fmla="*/ 385252 w 455349"/>
-                <a:gd name="connsiteY3" fmla="*/ 38756 h 718328"/>
-                <a:gd name="connsiteX4" fmla="*/ 135264 w 455349"/>
-                <a:gd name="connsiteY4" fmla="*/ 492998 h 718328"/>
-                <a:gd name="connsiteX5" fmla="*/ 116179 w 455349"/>
-                <a:gd name="connsiteY5" fmla="*/ 622201 h 718328"/>
-                <a:gd name="connsiteX6" fmla="*/ 0 w 455349"/>
-                <a:gd name="connsiteY6" fmla="*/ 713168 h 718328"/>
-                <a:gd name="connsiteX7" fmla="*/ 0 w 455349"/>
-                <a:gd name="connsiteY7" fmla="*/ 713168 h 718328"/>
-                <a:gd name="connsiteX8" fmla="*/ 0 w 455349"/>
-                <a:gd name="connsiteY8" fmla="*/ 713188 h 718328"/>
-                <a:gd name="connsiteX0" fmla="*/ 0 w 455349"/>
-                <a:gd name="connsiteY0" fmla="*/ 713188 h 718328"/>
-                <a:gd name="connsiteX1" fmla="*/ 452784 w 455349"/>
-                <a:gd name="connsiteY1" fmla="*/ 718328 h 718328"/>
-                <a:gd name="connsiteX2" fmla="*/ 455349 w 455349"/>
-                <a:gd name="connsiteY2" fmla="*/ 0 h 718328"/>
-                <a:gd name="connsiteX3" fmla="*/ 385252 w 455349"/>
-                <a:gd name="connsiteY3" fmla="*/ 38756 h 718328"/>
-                <a:gd name="connsiteX4" fmla="*/ 135264 w 455349"/>
-                <a:gd name="connsiteY4" fmla="*/ 492998 h 718328"/>
-                <a:gd name="connsiteX5" fmla="*/ 47123 w 455349"/>
-                <a:gd name="connsiteY5" fmla="*/ 550778 h 718328"/>
-                <a:gd name="connsiteX6" fmla="*/ 0 w 455349"/>
-                <a:gd name="connsiteY6" fmla="*/ 713168 h 718328"/>
-                <a:gd name="connsiteX7" fmla="*/ 0 w 455349"/>
-                <a:gd name="connsiteY7" fmla="*/ 713168 h 718328"/>
-                <a:gd name="connsiteX8" fmla="*/ 0 w 455349"/>
-                <a:gd name="connsiteY8" fmla="*/ 713188 h 718328"/>
-                <a:gd name="connsiteX0" fmla="*/ 0 w 455349"/>
-                <a:gd name="connsiteY0" fmla="*/ 724266 h 729406"/>
-                <a:gd name="connsiteX1" fmla="*/ 452784 w 455349"/>
-                <a:gd name="connsiteY1" fmla="*/ 729406 h 729406"/>
-                <a:gd name="connsiteX2" fmla="*/ 455349 w 455349"/>
-                <a:gd name="connsiteY2" fmla="*/ 11078 h 729406"/>
-                <a:gd name="connsiteX3" fmla="*/ 385252 w 455349"/>
-                <a:gd name="connsiteY3" fmla="*/ 49834 h 729406"/>
-                <a:gd name="connsiteX4" fmla="*/ 135264 w 455349"/>
-                <a:gd name="connsiteY4" fmla="*/ 498125 h 729406"/>
-                <a:gd name="connsiteX5" fmla="*/ 47123 w 455349"/>
-                <a:gd name="connsiteY5" fmla="*/ 561856 h 729406"/>
-                <a:gd name="connsiteX6" fmla="*/ 0 w 455349"/>
-                <a:gd name="connsiteY6" fmla="*/ 724246 h 729406"/>
-                <a:gd name="connsiteX7" fmla="*/ 0 w 455349"/>
-                <a:gd name="connsiteY7" fmla="*/ 724246 h 729406"/>
-                <a:gd name="connsiteX8" fmla="*/ 0 w 455349"/>
-                <a:gd name="connsiteY8" fmla="*/ 724266 h 729406"/>
-                <a:gd name="connsiteX0" fmla="*/ 0 w 455349"/>
-                <a:gd name="connsiteY0" fmla="*/ 724266 h 729406"/>
-                <a:gd name="connsiteX1" fmla="*/ 452784 w 455349"/>
-                <a:gd name="connsiteY1" fmla="*/ 729406 h 729406"/>
-                <a:gd name="connsiteX2" fmla="*/ 455349 w 455349"/>
-                <a:gd name="connsiteY2" fmla="*/ 11078 h 729406"/>
-                <a:gd name="connsiteX3" fmla="*/ 385252 w 455349"/>
-                <a:gd name="connsiteY3" fmla="*/ 49834 h 729406"/>
-                <a:gd name="connsiteX4" fmla="*/ 135264 w 455349"/>
-                <a:gd name="connsiteY4" fmla="*/ 498125 h 729406"/>
-                <a:gd name="connsiteX5" fmla="*/ 47123 w 455349"/>
-                <a:gd name="connsiteY5" fmla="*/ 561856 h 729406"/>
-                <a:gd name="connsiteX6" fmla="*/ 0 w 455349"/>
-                <a:gd name="connsiteY6" fmla="*/ 724246 h 729406"/>
-                <a:gd name="connsiteX7" fmla="*/ 0 w 455349"/>
-                <a:gd name="connsiteY7" fmla="*/ 724246 h 729406"/>
-                <a:gd name="connsiteX8" fmla="*/ 0 w 455349"/>
-                <a:gd name="connsiteY8" fmla="*/ 724266 h 729406"/>
-                <a:gd name="connsiteX0" fmla="*/ 0 w 455349"/>
-                <a:gd name="connsiteY0" fmla="*/ 724266 h 729406"/>
-                <a:gd name="connsiteX1" fmla="*/ 452784 w 455349"/>
-                <a:gd name="connsiteY1" fmla="*/ 729406 h 729406"/>
-                <a:gd name="connsiteX2" fmla="*/ 455349 w 455349"/>
-                <a:gd name="connsiteY2" fmla="*/ 11078 h 729406"/>
-                <a:gd name="connsiteX3" fmla="*/ 385252 w 455349"/>
-                <a:gd name="connsiteY3" fmla="*/ 49834 h 729406"/>
-                <a:gd name="connsiteX4" fmla="*/ 135264 w 455349"/>
-                <a:gd name="connsiteY4" fmla="*/ 498125 h 729406"/>
-                <a:gd name="connsiteX5" fmla="*/ 47123 w 455349"/>
-                <a:gd name="connsiteY5" fmla="*/ 561856 h 729406"/>
-                <a:gd name="connsiteX6" fmla="*/ 0 w 455349"/>
-                <a:gd name="connsiteY6" fmla="*/ 724246 h 729406"/>
-                <a:gd name="connsiteX7" fmla="*/ 0 w 455349"/>
-                <a:gd name="connsiteY7" fmla="*/ 724246 h 729406"/>
-                <a:gd name="connsiteX8" fmla="*/ 0 w 455349"/>
-                <a:gd name="connsiteY8" fmla="*/ 724266 h 729406"/>
-                <a:gd name="connsiteX0" fmla="*/ 0 w 455349"/>
-                <a:gd name="connsiteY0" fmla="*/ 724266 h 729406"/>
-                <a:gd name="connsiteX1" fmla="*/ 452784 w 455349"/>
-                <a:gd name="connsiteY1" fmla="*/ 729406 h 729406"/>
-                <a:gd name="connsiteX2" fmla="*/ 455349 w 455349"/>
-                <a:gd name="connsiteY2" fmla="*/ 11078 h 729406"/>
-                <a:gd name="connsiteX3" fmla="*/ 385252 w 455349"/>
-                <a:gd name="connsiteY3" fmla="*/ 49834 h 729406"/>
-                <a:gd name="connsiteX4" fmla="*/ 135264 w 455349"/>
-                <a:gd name="connsiteY4" fmla="*/ 498125 h 729406"/>
-                <a:gd name="connsiteX5" fmla="*/ 67364 w 455349"/>
-                <a:gd name="connsiteY5" fmla="*/ 594592 h 729406"/>
-                <a:gd name="connsiteX6" fmla="*/ 0 w 455349"/>
-                <a:gd name="connsiteY6" fmla="*/ 724246 h 729406"/>
-                <a:gd name="connsiteX7" fmla="*/ 0 w 455349"/>
-                <a:gd name="connsiteY7" fmla="*/ 724246 h 729406"/>
-                <a:gd name="connsiteX8" fmla="*/ 0 w 455349"/>
-                <a:gd name="connsiteY8" fmla="*/ 724266 h 729406"/>
-              </a:gdLst>
-              <a:ahLst/>
-              <a:cxnLst>
-                <a:cxn ang="0">
-                  <a:pos x="connsiteX0" y="connsiteY0"/>
-                </a:cxn>
-                <a:cxn ang="0">
-                  <a:pos x="connsiteX1" y="connsiteY1"/>
-                </a:cxn>
-                <a:cxn ang="0">
-                  <a:pos x="connsiteX2" y="connsiteY2"/>
-                </a:cxn>
-                <a:cxn ang="0">
-                  <a:pos x="connsiteX3" y="connsiteY3"/>
-                </a:cxn>
-                <a:cxn ang="0">
-                  <a:pos x="connsiteX4" y="connsiteY4"/>
-                </a:cxn>
-                <a:cxn ang="0">
-                  <a:pos x="connsiteX5" y="connsiteY5"/>
-                </a:cxn>
-                <a:cxn ang="0">
-                  <a:pos x="connsiteX6" y="connsiteY6"/>
-                </a:cxn>
-                <a:cxn ang="0">
-                  <a:pos x="connsiteX7" y="connsiteY7"/>
-                </a:cxn>
-                <a:cxn ang="0">
-                  <a:pos x="connsiteX8" y="connsiteY8"/>
-                </a:cxn>
-              </a:cxnLst>
-              <a:rect l="l" t="t" r="r" b="b"/>
-              <a:pathLst>
-                <a:path w="455349" h="729406">
-                  <a:moveTo>
-                    <a:pt x="0" y="724266"/>
-                  </a:moveTo>
-                  <a:cubicBezTo>
-                    <a:pt x="172359" y="730741"/>
-                    <a:pt x="301856" y="727693"/>
-                    <a:pt x="452784" y="729406"/>
-                  </a:cubicBezTo>
-                  <a:lnTo>
-                    <a:pt x="455349" y="11078"/>
-                  </a:lnTo>
-                  <a:cubicBezTo>
-                    <a:pt x="455349" y="11078"/>
-                    <a:pt x="438599" y="-31340"/>
-                    <a:pt x="385252" y="49834"/>
-                  </a:cubicBezTo>
-                  <a:cubicBezTo>
-                    <a:pt x="331905" y="131008"/>
-                    <a:pt x="349632" y="436565"/>
-                    <a:pt x="135264" y="498125"/>
-                  </a:cubicBezTo>
-                  <a:cubicBezTo>
-                    <a:pt x="73756" y="547304"/>
-                    <a:pt x="67364" y="594592"/>
-                    <a:pt x="67364" y="594592"/>
-                  </a:cubicBezTo>
-                  <a:cubicBezTo>
-                    <a:pt x="67364" y="594592"/>
-                    <a:pt x="2708" y="662744"/>
-                    <a:pt x="0" y="724246"/>
-                  </a:cubicBezTo>
-                  <a:lnTo>
-                    <a:pt x="0" y="724246"/>
-                  </a:lnTo>
-                  <a:lnTo>
-                    <a:pt x="0" y="724266"/>
-                  </a:lnTo>
-                  <a:close/>
-                </a:path>
-              </a:pathLst>
-            </a:custGeom>
-            <a:solidFill>
-              <a:schemeClr val="tx1">
-                <a:lumMod val="50000"/>
-                <a:lumOff val="50000"/>
-              </a:schemeClr>
-            </a:solidFill>
-            <a:ln w="0" cap="flat">
-              <a:noFill/>
-              <a:prstDash val="solid"/>
-              <a:miter/>
-            </a:ln>
-          </p:spPr>
-          <p:txBody>
-            <a:bodyPr rtlCol="0" anchor="ctr"/>
-            <a:lstStyle/>
-            <a:p>
-              <a:endParaRPr lang="en-US"/>
-            </a:p>
-          </p:txBody>
-        </p:sp>
-        <p:pic>
-          <p:nvPicPr>
-            <p:cNvPr id="33" name="Graphic 32">
-              <a:extLst>
-                <a:ext uri="{FF2B5EF4-FFF2-40B4-BE49-F238E27FC236}">
-                  <a16:creationId xmlns:a16="http://schemas.microsoft.com/office/drawing/2014/main" id="{F26C4E9B-A2E5-7F4A-CF5F-201F7B1A4C06}"/>
-                </a:ext>
-              </a:extLst>
-            </p:cNvPr>
-            <p:cNvPicPr>
-              <a:picLocks noChangeAspect="1"/>
-            </p:cNvPicPr>
-            <p:nvPr/>
-          </p:nvPicPr>
-          <p:blipFill>
-            <a:blip r:embed="rId4">
-              <a:extLst>
-                <a:ext uri="{28A0092B-C50C-407E-A947-70E740481C1C}">
-                  <a14:useLocalDpi xmlns:a14="http://schemas.microsoft.com/office/drawing/2010/main" val="0"/>
-                </a:ext>
-                <a:ext uri="{96DAC541-7B7A-43D3-8B79-37D633B846F1}">
-                  <asvg:svgBlip xmlns:asvg="http://schemas.microsoft.com/office/drawing/2016/SVG/main" r:embed="rId5"/>
-                </a:ext>
-              </a:extLst>
-            </a:blip>
-            <a:stretch>
-              <a:fillRect/>
-            </a:stretch>
-          </p:blipFill>
-          <p:spPr>
-            <a:xfrm flipH="1">
-              <a:off x="1923116" y="3240638"/>
-              <a:ext cx="455348" cy="718796"/>
-            </a:xfrm>
-            <a:prstGeom prst="rect">
-              <a:avLst/>
-            </a:prstGeom>
-          </p:spPr>
-        </p:pic>
-        <p:sp>
-          <p:nvSpPr>
-            <p:cNvPr id="24" name="Isosceles Triangle 23">
-              <a:extLst>
-                <a:ext uri="{FF2B5EF4-FFF2-40B4-BE49-F238E27FC236}">
-                  <a16:creationId xmlns:a16="http://schemas.microsoft.com/office/drawing/2014/main" id="{5FB95CCC-A39A-B127-9175-CDD182C1C741}"/>
-                </a:ext>
-              </a:extLst>
-            </p:cNvPr>
-            <p:cNvSpPr/>
-            <p:nvPr/>
-          </p:nvSpPr>
-          <p:spPr>
-            <a:xfrm>
-              <a:off x="1140531" y="2909006"/>
-              <a:ext cx="1256744" cy="1083400"/>
-            </a:xfrm>
-            <a:prstGeom prst="triangle">
-              <a:avLst/>
-            </a:prstGeom>
-            <a:noFill/>
-            <a:ln w="104775" cap="rnd">
-              <a:solidFill>
-                <a:srgbClr val="CE3B33"/>
-              </a:solidFill>
-              <a:round/>
-            </a:ln>
-            <a:effectLst>
-              <a:glow rad="25400">
-                <a:schemeClr val="tx1">
-                  <a:alpha val="25000"/>
-                </a:schemeClr>
-              </a:glow>
-            </a:effectLst>
-          </p:spPr>
-          <p:style>
-            <a:lnRef idx="2">
-              <a:schemeClr val="accent1">
-                <a:shade val="15000"/>
-              </a:schemeClr>
-            </a:lnRef>
-            <a:fillRef idx="1">
-              <a:schemeClr val="accent1"/>
-            </a:fillRef>
-            <a:effectRef idx="0">
-              <a:schemeClr val="accent1"/>
-            </a:effectRef>
-            <a:fontRef idx="minor">
-              <a:schemeClr val="lt1"/>
-            </a:fontRef>
-          </p:style>
-          <p:txBody>
-            <a:bodyPr rtlCol="0" anchor="ctr"/>
-            <a:lstStyle/>
-            <a:p>
-              <a:pPr algn="ctr"/>
-              <a:endParaRPr lang="en-US"/>
+              <a:endParaRPr lang="en-US" dirty="0"/>
             </a:p>
           </p:txBody>
         </p:sp>
         <p:grpSp>
           <p:nvGrpSpPr>
-            <p:cNvPr id="9" name="Group 8">
+            <p:cNvPr id="34" name="Group 33">
               <a:extLst>
                 <a:ext uri="{FF2B5EF4-FFF2-40B4-BE49-F238E27FC236}">
-                  <a16:creationId xmlns:a16="http://schemas.microsoft.com/office/drawing/2014/main" id="{24A56EA4-F43A-ED58-D814-B035E1E8D164}"/>
+                  <a16:creationId xmlns:a16="http://schemas.microsoft.com/office/drawing/2014/main" id="{B36303B1-7750-9E83-41DE-4BF796CAE1A3}"/>
                 </a:ext>
               </a:extLst>
             </p:cNvPr>
@@ -4961,18 +4496,25 @@
           </p:nvGrpSpPr>
           <p:grpSpPr>
             <a:xfrm>
-              <a:off x="1691876" y="3281995"/>
-              <a:ext cx="99432" cy="99432"/>
-              <a:chOff x="2284413" y="541338"/>
-              <a:chExt cx="425450" cy="425450"/>
+              <a:off x="4930406" y="2287129"/>
+              <a:ext cx="1256744" cy="1083400"/>
+              <a:chOff x="1140531" y="2909006"/>
+              <a:chExt cx="1256744" cy="1083400"/>
             </a:xfrm>
+            <a:effectLst>
+              <a:outerShdw blurRad="50800" dist="38100" dir="2700000" algn="tl" rotWithShape="0">
+                <a:prstClr val="black">
+                  <a:alpha val="40000"/>
+                </a:prstClr>
+              </a:outerShdw>
+            </a:effectLst>
           </p:grpSpPr>
           <p:sp>
             <p:nvSpPr>
-              <p:cNvPr id="7" name="Oval 6">
+              <p:cNvPr id="29" name="Isosceles Triangle 28">
                 <a:extLst>
                   <a:ext uri="{FF2B5EF4-FFF2-40B4-BE49-F238E27FC236}">
-                    <a16:creationId xmlns:a16="http://schemas.microsoft.com/office/drawing/2014/main" id="{FC68899C-ADCD-C94E-1149-813AE4AEEA1F}"/>
+                    <a16:creationId xmlns:a16="http://schemas.microsoft.com/office/drawing/2014/main" id="{5A5B7847-3BAF-A64A-F1A1-0DD901FE239E}"/>
                   </a:ext>
                 </a:extLst>
               </p:cNvPr>
@@ -4981,15 +4523,28 @@
             </p:nvSpPr>
             <p:spPr>
               <a:xfrm>
-                <a:off x="2284413" y="541338"/>
-                <a:ext cx="425450" cy="425450"/>
+                <a:off x="1146901" y="2909006"/>
+                <a:ext cx="1206383" cy="1039985"/>
               </a:xfrm>
-              <a:prstGeom prst="ellipse">
+              <a:prstGeom prst="triangle">
                 <a:avLst/>
               </a:prstGeom>
-              <a:ln>
+              <a:solidFill>
+                <a:schemeClr val="bg1">
+                  <a:lumMod val="95000"/>
+                </a:schemeClr>
+              </a:solidFill>
+              <a:ln w="76200" cap="rnd">
                 <a:noFill/>
+                <a:round/>
               </a:ln>
+              <a:effectLst>
+                <a:glow rad="25400">
+                  <a:schemeClr val="tx1">
+                    <a:alpha val="25000"/>
+                  </a:schemeClr>
+                </a:glow>
+              </a:effectLst>
             </p:spPr>
             <p:style>
               <a:lnRef idx="2">
@@ -5016,12 +4571,51 @@
               </a:p>
             </p:txBody>
           </p:sp>
+          <p:pic>
+            <p:nvPicPr>
+              <p:cNvPr id="28" name="Graphic 27">
+                <a:extLst>
+                  <a:ext uri="{FF2B5EF4-FFF2-40B4-BE49-F238E27FC236}">
+                    <a16:creationId xmlns:a16="http://schemas.microsoft.com/office/drawing/2014/main" id="{673109F0-75DB-DCC9-BB8B-95E6DCF12AC2}"/>
+                  </a:ext>
+                </a:extLst>
+              </p:cNvPr>
+              <p:cNvPicPr>
+                <a:picLocks noChangeAspect="1"/>
+              </p:cNvPicPr>
+              <p:nvPr/>
+            </p:nvPicPr>
+            <p:blipFill>
+              <a:blip r:embed="rId4">
+                <a:extLst>
+                  <a:ext uri="{28A0092B-C50C-407E-A947-70E740481C1C}">
+                    <a14:useLocalDpi xmlns:a14="http://schemas.microsoft.com/office/drawing/2010/main" val="0"/>
+                  </a:ext>
+                  <a:ext uri="{96DAC541-7B7A-43D3-8B79-37D633B846F1}">
+                    <asvg:svgBlip xmlns:asvg="http://schemas.microsoft.com/office/drawing/2016/SVG/main" r:embed="rId5"/>
+                  </a:ext>
+                </a:extLst>
+              </a:blip>
+              <a:stretch>
+                <a:fillRect/>
+              </a:stretch>
+            </p:blipFill>
+            <p:spPr>
+              <a:xfrm>
+                <a:off x="1614123" y="3230195"/>
+                <a:ext cx="382504" cy="718796"/>
+              </a:xfrm>
+              <a:prstGeom prst="rect">
+                <a:avLst/>
+              </a:prstGeom>
+            </p:spPr>
+          </p:pic>
           <p:sp>
             <p:nvSpPr>
-              <p:cNvPr id="8" name="Oval 7">
+              <p:cNvPr id="32" name="Graphic 29">
                 <a:extLst>
                   <a:ext uri="{FF2B5EF4-FFF2-40B4-BE49-F238E27FC236}">
-                    <a16:creationId xmlns:a16="http://schemas.microsoft.com/office/drawing/2014/main" id="{408A0151-2363-AA59-42F3-F140A4824948}"/>
+                    <a16:creationId xmlns:a16="http://schemas.microsoft.com/office/drawing/2014/main" id="{51EBC972-B371-FB62-8671-962E2A39E79F}"/>
                   </a:ext>
                 </a:extLst>
               </p:cNvPr>
@@ -5030,20 +4624,322 @@
             </p:nvSpPr>
             <p:spPr>
               <a:xfrm>
-                <a:off x="2284413" y="541338"/>
-                <a:ext cx="425450" cy="425450"/>
+                <a:off x="1335959" y="3667610"/>
+                <a:ext cx="455349" cy="291824"/>
               </a:xfrm>
-              <a:prstGeom prst="ellipse">
+              <a:custGeom>
+                <a:avLst/>
+                <a:gdLst>
+                  <a:gd name="connsiteX0" fmla="*/ 0 w 455348"/>
+                  <a:gd name="connsiteY0" fmla="*/ 713188 h 718327"/>
+                  <a:gd name="connsiteX1" fmla="*/ 452784 w 455348"/>
+                  <a:gd name="connsiteY1" fmla="*/ 718328 h 718327"/>
+                  <a:gd name="connsiteX2" fmla="*/ 455349 w 455348"/>
+                  <a:gd name="connsiteY2" fmla="*/ 0 h 718327"/>
+                  <a:gd name="connsiteX3" fmla="*/ 385252 w 455348"/>
+                  <a:gd name="connsiteY3" fmla="*/ 38756 h 718327"/>
+                  <a:gd name="connsiteX4" fmla="*/ 135264 w 455348"/>
+                  <a:gd name="connsiteY4" fmla="*/ 492998 h 718327"/>
+                  <a:gd name="connsiteX5" fmla="*/ 34026 w 455348"/>
+                  <a:gd name="connsiteY5" fmla="*/ 630535 h 718327"/>
+                  <a:gd name="connsiteX6" fmla="*/ 0 w 455348"/>
+                  <a:gd name="connsiteY6" fmla="*/ 713168 h 718327"/>
+                  <a:gd name="connsiteX7" fmla="*/ 0 w 455348"/>
+                  <a:gd name="connsiteY7" fmla="*/ 713168 h 718327"/>
+                  <a:gd name="connsiteX0" fmla="*/ 0 w 455349"/>
+                  <a:gd name="connsiteY0" fmla="*/ 713188 h 718328"/>
+                  <a:gd name="connsiteX1" fmla="*/ 452784 w 455349"/>
+                  <a:gd name="connsiteY1" fmla="*/ 718328 h 718328"/>
+                  <a:gd name="connsiteX2" fmla="*/ 455349 w 455349"/>
+                  <a:gd name="connsiteY2" fmla="*/ 0 h 718328"/>
+                  <a:gd name="connsiteX3" fmla="*/ 385252 w 455349"/>
+                  <a:gd name="connsiteY3" fmla="*/ 38756 h 718328"/>
+                  <a:gd name="connsiteX4" fmla="*/ 135264 w 455349"/>
+                  <a:gd name="connsiteY4" fmla="*/ 492998 h 718328"/>
+                  <a:gd name="connsiteX5" fmla="*/ 34026 w 455349"/>
+                  <a:gd name="connsiteY5" fmla="*/ 630535 h 718328"/>
+                  <a:gd name="connsiteX6" fmla="*/ 0 w 455349"/>
+                  <a:gd name="connsiteY6" fmla="*/ 713168 h 718328"/>
+                  <a:gd name="connsiteX7" fmla="*/ 0 w 455349"/>
+                  <a:gd name="connsiteY7" fmla="*/ 713168 h 718328"/>
+                  <a:gd name="connsiteX8" fmla="*/ 0 w 455349"/>
+                  <a:gd name="connsiteY8" fmla="*/ 713188 h 718328"/>
+                  <a:gd name="connsiteX0" fmla="*/ 0 w 455349"/>
+                  <a:gd name="connsiteY0" fmla="*/ 713188 h 718328"/>
+                  <a:gd name="connsiteX1" fmla="*/ 452784 w 455349"/>
+                  <a:gd name="connsiteY1" fmla="*/ 718328 h 718328"/>
+                  <a:gd name="connsiteX2" fmla="*/ 455349 w 455349"/>
+                  <a:gd name="connsiteY2" fmla="*/ 0 h 718328"/>
+                  <a:gd name="connsiteX3" fmla="*/ 385252 w 455349"/>
+                  <a:gd name="connsiteY3" fmla="*/ 38756 h 718328"/>
+                  <a:gd name="connsiteX4" fmla="*/ 135264 w 455349"/>
+                  <a:gd name="connsiteY4" fmla="*/ 492998 h 718328"/>
+                  <a:gd name="connsiteX5" fmla="*/ 116179 w 455349"/>
+                  <a:gd name="connsiteY5" fmla="*/ 622201 h 718328"/>
+                  <a:gd name="connsiteX6" fmla="*/ 0 w 455349"/>
+                  <a:gd name="connsiteY6" fmla="*/ 713168 h 718328"/>
+                  <a:gd name="connsiteX7" fmla="*/ 0 w 455349"/>
+                  <a:gd name="connsiteY7" fmla="*/ 713168 h 718328"/>
+                  <a:gd name="connsiteX8" fmla="*/ 0 w 455349"/>
+                  <a:gd name="connsiteY8" fmla="*/ 713188 h 718328"/>
+                  <a:gd name="connsiteX0" fmla="*/ 0 w 455349"/>
+                  <a:gd name="connsiteY0" fmla="*/ 713188 h 718328"/>
+                  <a:gd name="connsiteX1" fmla="*/ 452784 w 455349"/>
+                  <a:gd name="connsiteY1" fmla="*/ 718328 h 718328"/>
+                  <a:gd name="connsiteX2" fmla="*/ 455349 w 455349"/>
+                  <a:gd name="connsiteY2" fmla="*/ 0 h 718328"/>
+                  <a:gd name="connsiteX3" fmla="*/ 385252 w 455349"/>
+                  <a:gd name="connsiteY3" fmla="*/ 38756 h 718328"/>
+                  <a:gd name="connsiteX4" fmla="*/ 135264 w 455349"/>
+                  <a:gd name="connsiteY4" fmla="*/ 492998 h 718328"/>
+                  <a:gd name="connsiteX5" fmla="*/ 47123 w 455349"/>
+                  <a:gd name="connsiteY5" fmla="*/ 550778 h 718328"/>
+                  <a:gd name="connsiteX6" fmla="*/ 0 w 455349"/>
+                  <a:gd name="connsiteY6" fmla="*/ 713168 h 718328"/>
+                  <a:gd name="connsiteX7" fmla="*/ 0 w 455349"/>
+                  <a:gd name="connsiteY7" fmla="*/ 713168 h 718328"/>
+                  <a:gd name="connsiteX8" fmla="*/ 0 w 455349"/>
+                  <a:gd name="connsiteY8" fmla="*/ 713188 h 718328"/>
+                  <a:gd name="connsiteX0" fmla="*/ 0 w 455349"/>
+                  <a:gd name="connsiteY0" fmla="*/ 724266 h 729406"/>
+                  <a:gd name="connsiteX1" fmla="*/ 452784 w 455349"/>
+                  <a:gd name="connsiteY1" fmla="*/ 729406 h 729406"/>
+                  <a:gd name="connsiteX2" fmla="*/ 455349 w 455349"/>
+                  <a:gd name="connsiteY2" fmla="*/ 11078 h 729406"/>
+                  <a:gd name="connsiteX3" fmla="*/ 385252 w 455349"/>
+                  <a:gd name="connsiteY3" fmla="*/ 49834 h 729406"/>
+                  <a:gd name="connsiteX4" fmla="*/ 135264 w 455349"/>
+                  <a:gd name="connsiteY4" fmla="*/ 498125 h 729406"/>
+                  <a:gd name="connsiteX5" fmla="*/ 47123 w 455349"/>
+                  <a:gd name="connsiteY5" fmla="*/ 561856 h 729406"/>
+                  <a:gd name="connsiteX6" fmla="*/ 0 w 455349"/>
+                  <a:gd name="connsiteY6" fmla="*/ 724246 h 729406"/>
+                  <a:gd name="connsiteX7" fmla="*/ 0 w 455349"/>
+                  <a:gd name="connsiteY7" fmla="*/ 724246 h 729406"/>
+                  <a:gd name="connsiteX8" fmla="*/ 0 w 455349"/>
+                  <a:gd name="connsiteY8" fmla="*/ 724266 h 729406"/>
+                  <a:gd name="connsiteX0" fmla="*/ 0 w 455349"/>
+                  <a:gd name="connsiteY0" fmla="*/ 724266 h 729406"/>
+                  <a:gd name="connsiteX1" fmla="*/ 452784 w 455349"/>
+                  <a:gd name="connsiteY1" fmla="*/ 729406 h 729406"/>
+                  <a:gd name="connsiteX2" fmla="*/ 455349 w 455349"/>
+                  <a:gd name="connsiteY2" fmla="*/ 11078 h 729406"/>
+                  <a:gd name="connsiteX3" fmla="*/ 385252 w 455349"/>
+                  <a:gd name="connsiteY3" fmla="*/ 49834 h 729406"/>
+                  <a:gd name="connsiteX4" fmla="*/ 135264 w 455349"/>
+                  <a:gd name="connsiteY4" fmla="*/ 498125 h 729406"/>
+                  <a:gd name="connsiteX5" fmla="*/ 47123 w 455349"/>
+                  <a:gd name="connsiteY5" fmla="*/ 561856 h 729406"/>
+                  <a:gd name="connsiteX6" fmla="*/ 0 w 455349"/>
+                  <a:gd name="connsiteY6" fmla="*/ 724246 h 729406"/>
+                  <a:gd name="connsiteX7" fmla="*/ 0 w 455349"/>
+                  <a:gd name="connsiteY7" fmla="*/ 724246 h 729406"/>
+                  <a:gd name="connsiteX8" fmla="*/ 0 w 455349"/>
+                  <a:gd name="connsiteY8" fmla="*/ 724266 h 729406"/>
+                  <a:gd name="connsiteX0" fmla="*/ 0 w 455349"/>
+                  <a:gd name="connsiteY0" fmla="*/ 724266 h 729406"/>
+                  <a:gd name="connsiteX1" fmla="*/ 452784 w 455349"/>
+                  <a:gd name="connsiteY1" fmla="*/ 729406 h 729406"/>
+                  <a:gd name="connsiteX2" fmla="*/ 455349 w 455349"/>
+                  <a:gd name="connsiteY2" fmla="*/ 11078 h 729406"/>
+                  <a:gd name="connsiteX3" fmla="*/ 385252 w 455349"/>
+                  <a:gd name="connsiteY3" fmla="*/ 49834 h 729406"/>
+                  <a:gd name="connsiteX4" fmla="*/ 135264 w 455349"/>
+                  <a:gd name="connsiteY4" fmla="*/ 498125 h 729406"/>
+                  <a:gd name="connsiteX5" fmla="*/ 47123 w 455349"/>
+                  <a:gd name="connsiteY5" fmla="*/ 561856 h 729406"/>
+                  <a:gd name="connsiteX6" fmla="*/ 0 w 455349"/>
+                  <a:gd name="connsiteY6" fmla="*/ 724246 h 729406"/>
+                  <a:gd name="connsiteX7" fmla="*/ 0 w 455349"/>
+                  <a:gd name="connsiteY7" fmla="*/ 724246 h 729406"/>
+                  <a:gd name="connsiteX8" fmla="*/ 0 w 455349"/>
+                  <a:gd name="connsiteY8" fmla="*/ 724266 h 729406"/>
+                  <a:gd name="connsiteX0" fmla="*/ 0 w 455349"/>
+                  <a:gd name="connsiteY0" fmla="*/ 724266 h 729406"/>
+                  <a:gd name="connsiteX1" fmla="*/ 452784 w 455349"/>
+                  <a:gd name="connsiteY1" fmla="*/ 729406 h 729406"/>
+                  <a:gd name="connsiteX2" fmla="*/ 455349 w 455349"/>
+                  <a:gd name="connsiteY2" fmla="*/ 11078 h 729406"/>
+                  <a:gd name="connsiteX3" fmla="*/ 385252 w 455349"/>
+                  <a:gd name="connsiteY3" fmla="*/ 49834 h 729406"/>
+                  <a:gd name="connsiteX4" fmla="*/ 135264 w 455349"/>
+                  <a:gd name="connsiteY4" fmla="*/ 498125 h 729406"/>
+                  <a:gd name="connsiteX5" fmla="*/ 67364 w 455349"/>
+                  <a:gd name="connsiteY5" fmla="*/ 594592 h 729406"/>
+                  <a:gd name="connsiteX6" fmla="*/ 0 w 455349"/>
+                  <a:gd name="connsiteY6" fmla="*/ 724246 h 729406"/>
+                  <a:gd name="connsiteX7" fmla="*/ 0 w 455349"/>
+                  <a:gd name="connsiteY7" fmla="*/ 724246 h 729406"/>
+                  <a:gd name="connsiteX8" fmla="*/ 0 w 455349"/>
+                  <a:gd name="connsiteY8" fmla="*/ 724266 h 729406"/>
+                </a:gdLst>
+                <a:ahLst/>
+                <a:cxnLst>
+                  <a:cxn ang="0">
+                    <a:pos x="connsiteX0" y="connsiteY0"/>
+                  </a:cxn>
+                  <a:cxn ang="0">
+                    <a:pos x="connsiteX1" y="connsiteY1"/>
+                  </a:cxn>
+                  <a:cxn ang="0">
+                    <a:pos x="connsiteX2" y="connsiteY2"/>
+                  </a:cxn>
+                  <a:cxn ang="0">
+                    <a:pos x="connsiteX3" y="connsiteY3"/>
+                  </a:cxn>
+                  <a:cxn ang="0">
+                    <a:pos x="connsiteX4" y="connsiteY4"/>
+                  </a:cxn>
+                  <a:cxn ang="0">
+                    <a:pos x="connsiteX5" y="connsiteY5"/>
+                  </a:cxn>
+                  <a:cxn ang="0">
+                    <a:pos x="connsiteX6" y="connsiteY6"/>
+                  </a:cxn>
+                  <a:cxn ang="0">
+                    <a:pos x="connsiteX7" y="connsiteY7"/>
+                  </a:cxn>
+                  <a:cxn ang="0">
+                    <a:pos x="connsiteX8" y="connsiteY8"/>
+                  </a:cxn>
+                </a:cxnLst>
+                <a:rect l="l" t="t" r="r" b="b"/>
+                <a:pathLst>
+                  <a:path w="455349" h="729406">
+                    <a:moveTo>
+                      <a:pt x="0" y="724266"/>
+                    </a:moveTo>
+                    <a:cubicBezTo>
+                      <a:pt x="172359" y="730741"/>
+                      <a:pt x="301856" y="727693"/>
+                      <a:pt x="452784" y="729406"/>
+                    </a:cubicBezTo>
+                    <a:lnTo>
+                      <a:pt x="455349" y="11078"/>
+                    </a:lnTo>
+                    <a:cubicBezTo>
+                      <a:pt x="455349" y="11078"/>
+                      <a:pt x="438599" y="-31340"/>
+                      <a:pt x="385252" y="49834"/>
+                    </a:cubicBezTo>
+                    <a:cubicBezTo>
+                      <a:pt x="331905" y="131008"/>
+                      <a:pt x="349632" y="436565"/>
+                      <a:pt x="135264" y="498125"/>
+                    </a:cubicBezTo>
+                    <a:cubicBezTo>
+                      <a:pt x="73756" y="547304"/>
+                      <a:pt x="67364" y="594592"/>
+                      <a:pt x="67364" y="594592"/>
+                    </a:cubicBezTo>
+                    <a:cubicBezTo>
+                      <a:pt x="67364" y="594592"/>
+                      <a:pt x="2708" y="662744"/>
+                      <a:pt x="0" y="724246"/>
+                    </a:cubicBezTo>
+                    <a:lnTo>
+                      <a:pt x="0" y="724246"/>
+                    </a:lnTo>
+                    <a:lnTo>
+                      <a:pt x="0" y="724266"/>
+                    </a:lnTo>
+                    <a:close/>
+                  </a:path>
+                </a:pathLst>
+              </a:custGeom>
+              <a:solidFill>
+                <a:schemeClr val="tx1">
+                  <a:lumMod val="50000"/>
+                  <a:lumOff val="50000"/>
+                </a:schemeClr>
+              </a:solidFill>
+              <a:ln w="0" cap="flat">
+                <a:noFill/>
+                <a:prstDash val="solid"/>
+                <a:miter/>
+              </a:ln>
+            </p:spPr>
+            <p:txBody>
+              <a:bodyPr rtlCol="0" anchor="ctr"/>
+              <a:lstStyle/>
+              <a:p>
+                <a:endParaRPr lang="en-US"/>
+              </a:p>
+            </p:txBody>
+          </p:sp>
+          <p:pic>
+            <p:nvPicPr>
+              <p:cNvPr id="33" name="Graphic 32">
+                <a:extLst>
+                  <a:ext uri="{FF2B5EF4-FFF2-40B4-BE49-F238E27FC236}">
+                    <a16:creationId xmlns:a16="http://schemas.microsoft.com/office/drawing/2014/main" id="{F26C4E9B-A2E5-7F4A-CF5F-201F7B1A4C06}"/>
+                  </a:ext>
+                </a:extLst>
+              </p:cNvPr>
+              <p:cNvPicPr>
+                <a:picLocks noChangeAspect="1"/>
+              </p:cNvPicPr>
+              <p:nvPr/>
+            </p:nvPicPr>
+            <p:blipFill>
+              <a:blip r:embed="rId4">
+                <a:extLst>
+                  <a:ext uri="{28A0092B-C50C-407E-A947-70E740481C1C}">
+                    <a14:useLocalDpi xmlns:a14="http://schemas.microsoft.com/office/drawing/2010/main" val="0"/>
+                  </a:ext>
+                  <a:ext uri="{96DAC541-7B7A-43D3-8B79-37D633B846F1}">
+                    <asvg:svgBlip xmlns:asvg="http://schemas.microsoft.com/office/drawing/2016/SVG/main" r:embed="rId5"/>
+                  </a:ext>
+                </a:extLst>
+              </a:blip>
+              <a:stretch>
+                <a:fillRect/>
+              </a:stretch>
+            </p:blipFill>
+            <p:spPr>
+              <a:xfrm flipH="1">
+                <a:off x="1923116" y="3240638"/>
+                <a:ext cx="455348" cy="718796"/>
+              </a:xfrm>
+              <a:prstGeom prst="rect">
+                <a:avLst/>
+              </a:prstGeom>
+            </p:spPr>
+          </p:pic>
+          <p:sp>
+            <p:nvSpPr>
+              <p:cNvPr id="24" name="Isosceles Triangle 23">
+                <a:extLst>
+                  <a:ext uri="{FF2B5EF4-FFF2-40B4-BE49-F238E27FC236}">
+                    <a16:creationId xmlns:a16="http://schemas.microsoft.com/office/drawing/2014/main" id="{5FB95CCC-A39A-B127-9175-CDD182C1C741}"/>
+                  </a:ext>
+                </a:extLst>
+              </p:cNvPr>
+              <p:cNvSpPr/>
+              <p:nvPr/>
+            </p:nvSpPr>
+            <p:spPr>
+              <a:xfrm>
+                <a:off x="1140531" y="2909006"/>
+                <a:ext cx="1256744" cy="1083400"/>
+              </a:xfrm>
+              <a:prstGeom prst="triangle">
                 <a:avLst/>
               </a:prstGeom>
               <a:noFill/>
-              <a:ln w="76200">
+              <a:ln w="104775" cap="rnd">
                 <a:solidFill>
-                  <a:srgbClr val="000000">
-                    <a:alpha val="14118"/>
-                  </a:srgbClr>
+                  <a:srgbClr val="CE3B33"/>
                 </a:solidFill>
+                <a:round/>
               </a:ln>
+              <a:effectLst>
+                <a:glow rad="25400">
+                  <a:schemeClr val="tx1">
+                    <a:alpha val="25000"/>
+                  </a:schemeClr>
+                </a:glow>
+              </a:effectLst>
             </p:spPr>
             <p:style>
               <a:lnRef idx="2">
@@ -5070,259 +4966,383 @@
               </a:p>
             </p:txBody>
           </p:sp>
-        </p:grpSp>
-        <p:grpSp>
-          <p:nvGrpSpPr>
-            <p:cNvPr id="10" name="Group 9">
-              <a:extLst>
-                <a:ext uri="{FF2B5EF4-FFF2-40B4-BE49-F238E27FC236}">
-                  <a16:creationId xmlns:a16="http://schemas.microsoft.com/office/drawing/2014/main" id="{58F72235-D8D9-FA70-B0B0-9BA6B89B6A39}"/>
-                </a:ext>
-              </a:extLst>
-            </p:cNvPr>
-            <p:cNvGrpSpPr/>
-            <p:nvPr/>
-          </p:nvGrpSpPr>
-          <p:grpSpPr>
-            <a:xfrm>
-              <a:off x="1451748" y="3667610"/>
-              <a:ext cx="99432" cy="99432"/>
-              <a:chOff x="2284413" y="541338"/>
-              <a:chExt cx="425450" cy="425450"/>
-            </a:xfrm>
-          </p:grpSpPr>
-          <p:sp>
-            <p:nvSpPr>
-              <p:cNvPr id="11" name="Oval 10">
+          <p:grpSp>
+            <p:nvGrpSpPr>
+              <p:cNvPr id="9" name="Group 8">
                 <a:extLst>
                   <a:ext uri="{FF2B5EF4-FFF2-40B4-BE49-F238E27FC236}">
-                    <a16:creationId xmlns:a16="http://schemas.microsoft.com/office/drawing/2014/main" id="{1A43BDBD-510A-AC3F-DCF3-0923FBB80E0D}"/>
+                    <a16:creationId xmlns:a16="http://schemas.microsoft.com/office/drawing/2014/main" id="{24A56EA4-F43A-ED58-D814-B035E1E8D164}"/>
                   </a:ext>
                 </a:extLst>
               </p:cNvPr>
-              <p:cNvSpPr/>
+              <p:cNvGrpSpPr/>
               <p:nvPr/>
-            </p:nvSpPr>
-            <p:spPr>
+            </p:nvGrpSpPr>
+            <p:grpSpPr>
               <a:xfrm>
-                <a:off x="2284413" y="541338"/>
-                <a:ext cx="425450" cy="425450"/>
+                <a:off x="1691876" y="3281995"/>
+                <a:ext cx="99432" cy="99432"/>
+                <a:chOff x="2284413" y="541338"/>
+                <a:chExt cx="425450" cy="425450"/>
               </a:xfrm>
-              <a:prstGeom prst="ellipse">
-                <a:avLst/>
-              </a:prstGeom>
-              <a:ln>
+            </p:grpSpPr>
+            <p:sp>
+              <p:nvSpPr>
+                <p:cNvPr id="7" name="Oval 6">
+                  <a:extLst>
+                    <a:ext uri="{FF2B5EF4-FFF2-40B4-BE49-F238E27FC236}">
+                      <a16:creationId xmlns:a16="http://schemas.microsoft.com/office/drawing/2014/main" id="{FC68899C-ADCD-C94E-1149-813AE4AEEA1F}"/>
+                    </a:ext>
+                  </a:extLst>
+                </p:cNvPr>
+                <p:cNvSpPr/>
+                <p:nvPr/>
+              </p:nvSpPr>
+              <p:spPr>
+                <a:xfrm>
+                  <a:off x="2284413" y="541338"/>
+                  <a:ext cx="425450" cy="425450"/>
+                </a:xfrm>
+                <a:prstGeom prst="ellipse">
+                  <a:avLst/>
+                </a:prstGeom>
+                <a:ln>
+                  <a:noFill/>
+                </a:ln>
+              </p:spPr>
+              <p:style>
+                <a:lnRef idx="2">
+                  <a:schemeClr val="accent1">
+                    <a:shade val="15000"/>
+                  </a:schemeClr>
+                </a:lnRef>
+                <a:fillRef idx="1">
+                  <a:schemeClr val="accent1"/>
+                </a:fillRef>
+                <a:effectRef idx="0">
+                  <a:schemeClr val="accent1"/>
+                </a:effectRef>
+                <a:fontRef idx="minor">
+                  <a:schemeClr val="lt1"/>
+                </a:fontRef>
+              </p:style>
+              <p:txBody>
+                <a:bodyPr rtlCol="0" anchor="ctr"/>
+                <a:lstStyle/>
+                <a:p>
+                  <a:pPr algn="ctr"/>
+                  <a:endParaRPr lang="en-US"/>
+                </a:p>
+              </p:txBody>
+            </p:sp>
+            <p:sp>
+              <p:nvSpPr>
+                <p:cNvPr id="8" name="Oval 7">
+                  <a:extLst>
+                    <a:ext uri="{FF2B5EF4-FFF2-40B4-BE49-F238E27FC236}">
+                      <a16:creationId xmlns:a16="http://schemas.microsoft.com/office/drawing/2014/main" id="{408A0151-2363-AA59-42F3-F140A4824948}"/>
+                    </a:ext>
+                  </a:extLst>
+                </p:cNvPr>
+                <p:cNvSpPr/>
+                <p:nvPr/>
+              </p:nvSpPr>
+              <p:spPr>
+                <a:xfrm>
+                  <a:off x="2284413" y="541338"/>
+                  <a:ext cx="425450" cy="425450"/>
+                </a:xfrm>
+                <a:prstGeom prst="ellipse">
+                  <a:avLst/>
+                </a:prstGeom>
                 <a:noFill/>
-              </a:ln>
-            </p:spPr>
-            <p:style>
-              <a:lnRef idx="2">
-                <a:schemeClr val="accent1">
-                  <a:shade val="15000"/>
-                </a:schemeClr>
-              </a:lnRef>
-              <a:fillRef idx="1">
-                <a:schemeClr val="accent1"/>
-              </a:fillRef>
-              <a:effectRef idx="0">
-                <a:schemeClr val="accent1"/>
-              </a:effectRef>
-              <a:fontRef idx="minor">
-                <a:schemeClr val="lt1"/>
-              </a:fontRef>
-            </p:style>
-            <p:txBody>
-              <a:bodyPr rtlCol="0" anchor="ctr"/>
-              <a:lstStyle/>
-              <a:p>
-                <a:pPr algn="ctr"/>
-                <a:endParaRPr lang="en-US"/>
-              </a:p>
-            </p:txBody>
-          </p:sp>
-          <p:sp>
-            <p:nvSpPr>
-              <p:cNvPr id="12" name="Oval 11">
+                <a:ln w="76200">
+                  <a:solidFill>
+                    <a:srgbClr val="000000">
+                      <a:alpha val="14118"/>
+                    </a:srgbClr>
+                  </a:solidFill>
+                </a:ln>
+              </p:spPr>
+              <p:style>
+                <a:lnRef idx="2">
+                  <a:schemeClr val="accent1">
+                    <a:shade val="15000"/>
+                  </a:schemeClr>
+                </a:lnRef>
+                <a:fillRef idx="1">
+                  <a:schemeClr val="accent1"/>
+                </a:fillRef>
+                <a:effectRef idx="0">
+                  <a:schemeClr val="accent1"/>
+                </a:effectRef>
+                <a:fontRef idx="minor">
+                  <a:schemeClr val="lt1"/>
+                </a:fontRef>
+              </p:style>
+              <p:txBody>
+                <a:bodyPr rtlCol="0" anchor="ctr"/>
+                <a:lstStyle/>
+                <a:p>
+                  <a:pPr algn="ctr"/>
+                  <a:endParaRPr lang="en-US"/>
+                </a:p>
+              </p:txBody>
+            </p:sp>
+          </p:grpSp>
+          <p:grpSp>
+            <p:nvGrpSpPr>
+              <p:cNvPr id="10" name="Group 9">
                 <a:extLst>
                   <a:ext uri="{FF2B5EF4-FFF2-40B4-BE49-F238E27FC236}">
-                    <a16:creationId xmlns:a16="http://schemas.microsoft.com/office/drawing/2014/main" id="{A7820727-AAF1-C4E6-4DDC-77D53250AF84}"/>
+                    <a16:creationId xmlns:a16="http://schemas.microsoft.com/office/drawing/2014/main" id="{58F72235-D8D9-FA70-B0B0-9BA6B89B6A39}"/>
                   </a:ext>
                 </a:extLst>
               </p:cNvPr>
-              <p:cNvSpPr/>
+              <p:cNvGrpSpPr/>
               <p:nvPr/>
-            </p:nvSpPr>
-            <p:spPr>
+            </p:nvGrpSpPr>
+            <p:grpSpPr>
               <a:xfrm>
-                <a:off x="2284413" y="541338"/>
-                <a:ext cx="425450" cy="425450"/>
+                <a:off x="1451748" y="3667610"/>
+                <a:ext cx="99432" cy="99432"/>
+                <a:chOff x="2284413" y="541338"/>
+                <a:chExt cx="425450" cy="425450"/>
               </a:xfrm>
-              <a:prstGeom prst="ellipse">
-                <a:avLst/>
-              </a:prstGeom>
-              <a:solidFill>
-                <a:schemeClr val="accent6"/>
-              </a:solidFill>
-              <a:ln w="76200">
+            </p:grpSpPr>
+            <p:sp>
+              <p:nvSpPr>
+                <p:cNvPr id="11" name="Oval 10">
+                  <a:extLst>
+                    <a:ext uri="{FF2B5EF4-FFF2-40B4-BE49-F238E27FC236}">
+                      <a16:creationId xmlns:a16="http://schemas.microsoft.com/office/drawing/2014/main" id="{1A43BDBD-510A-AC3F-DCF3-0923FBB80E0D}"/>
+                    </a:ext>
+                  </a:extLst>
+                </p:cNvPr>
+                <p:cNvSpPr/>
+                <p:nvPr/>
+              </p:nvSpPr>
+              <p:spPr>
+                <a:xfrm>
+                  <a:off x="2284413" y="541338"/>
+                  <a:ext cx="425450" cy="425450"/>
+                </a:xfrm>
+                <a:prstGeom prst="ellipse">
+                  <a:avLst/>
+                </a:prstGeom>
+                <a:ln>
+                  <a:noFill/>
+                </a:ln>
+              </p:spPr>
+              <p:style>
+                <a:lnRef idx="2">
+                  <a:schemeClr val="accent1">
+                    <a:shade val="15000"/>
+                  </a:schemeClr>
+                </a:lnRef>
+                <a:fillRef idx="1">
+                  <a:schemeClr val="accent1"/>
+                </a:fillRef>
+                <a:effectRef idx="0">
+                  <a:schemeClr val="accent1"/>
+                </a:effectRef>
+                <a:fontRef idx="minor">
+                  <a:schemeClr val="lt1"/>
+                </a:fontRef>
+              </p:style>
+              <p:txBody>
+                <a:bodyPr rtlCol="0" anchor="ctr"/>
+                <a:lstStyle/>
+                <a:p>
+                  <a:pPr algn="ctr"/>
+                  <a:endParaRPr lang="en-US"/>
+                </a:p>
+              </p:txBody>
+            </p:sp>
+            <p:sp>
+              <p:nvSpPr>
+                <p:cNvPr id="12" name="Oval 11">
+                  <a:extLst>
+                    <a:ext uri="{FF2B5EF4-FFF2-40B4-BE49-F238E27FC236}">
+                      <a16:creationId xmlns:a16="http://schemas.microsoft.com/office/drawing/2014/main" id="{A7820727-AAF1-C4E6-4DDC-77D53250AF84}"/>
+                    </a:ext>
+                  </a:extLst>
+                </p:cNvPr>
+                <p:cNvSpPr/>
+                <p:nvPr/>
+              </p:nvSpPr>
+              <p:spPr>
+                <a:xfrm>
+                  <a:off x="2284413" y="541338"/>
+                  <a:ext cx="425450" cy="425450"/>
+                </a:xfrm>
+                <a:prstGeom prst="ellipse">
+                  <a:avLst/>
+                </a:prstGeom>
                 <a:solidFill>
-                  <a:srgbClr val="000000">
-                    <a:alpha val="14118"/>
-                  </a:srgbClr>
+                  <a:schemeClr val="accent6"/>
                 </a:solidFill>
-              </a:ln>
-            </p:spPr>
-            <p:style>
-              <a:lnRef idx="2">
-                <a:schemeClr val="accent1">
-                  <a:shade val="15000"/>
-                </a:schemeClr>
-              </a:lnRef>
-              <a:fillRef idx="1">
-                <a:schemeClr val="accent1"/>
-              </a:fillRef>
-              <a:effectRef idx="0">
-                <a:schemeClr val="accent1"/>
-              </a:effectRef>
-              <a:fontRef idx="minor">
-                <a:schemeClr val="lt1"/>
-              </a:fontRef>
-            </p:style>
-            <p:txBody>
-              <a:bodyPr rtlCol="0" anchor="ctr"/>
-              <a:lstStyle/>
-              <a:p>
-                <a:pPr algn="ctr"/>
-                <a:endParaRPr lang="en-US"/>
-              </a:p>
-            </p:txBody>
-          </p:sp>
-        </p:grpSp>
-        <p:grpSp>
-          <p:nvGrpSpPr>
-            <p:cNvPr id="13" name="Group 12">
-              <a:extLst>
-                <a:ext uri="{FF2B5EF4-FFF2-40B4-BE49-F238E27FC236}">
-                  <a16:creationId xmlns:a16="http://schemas.microsoft.com/office/drawing/2014/main" id="{25763CD1-BA77-0404-A56E-9A05A4CEA3D2}"/>
-                </a:ext>
-              </a:extLst>
-            </p:cNvPr>
-            <p:cNvGrpSpPr/>
-            <p:nvPr/>
-          </p:nvGrpSpPr>
-          <p:grpSpPr>
-            <a:xfrm>
-              <a:off x="1618523" y="3500604"/>
-              <a:ext cx="99432" cy="99432"/>
-              <a:chOff x="2476073" y="687318"/>
-              <a:chExt cx="425450" cy="425450"/>
-            </a:xfrm>
-          </p:grpSpPr>
-          <p:sp>
-            <p:nvSpPr>
-              <p:cNvPr id="14" name="Oval 13">
+                <a:ln w="76200">
+                  <a:solidFill>
+                    <a:srgbClr val="000000">
+                      <a:alpha val="14118"/>
+                    </a:srgbClr>
+                  </a:solidFill>
+                </a:ln>
+              </p:spPr>
+              <p:style>
+                <a:lnRef idx="2">
+                  <a:schemeClr val="accent1">
+                    <a:shade val="15000"/>
+                  </a:schemeClr>
+                </a:lnRef>
+                <a:fillRef idx="1">
+                  <a:schemeClr val="accent1"/>
+                </a:fillRef>
+                <a:effectRef idx="0">
+                  <a:schemeClr val="accent1"/>
+                </a:effectRef>
+                <a:fontRef idx="minor">
+                  <a:schemeClr val="lt1"/>
+                </a:fontRef>
+              </p:style>
+              <p:txBody>
+                <a:bodyPr rtlCol="0" anchor="ctr"/>
+                <a:lstStyle/>
+                <a:p>
+                  <a:pPr algn="ctr"/>
+                  <a:endParaRPr lang="en-US"/>
+                </a:p>
+              </p:txBody>
+            </p:sp>
+          </p:grpSp>
+          <p:grpSp>
+            <p:nvGrpSpPr>
+              <p:cNvPr id="13" name="Group 12">
                 <a:extLst>
                   <a:ext uri="{FF2B5EF4-FFF2-40B4-BE49-F238E27FC236}">
-                    <a16:creationId xmlns:a16="http://schemas.microsoft.com/office/drawing/2014/main" id="{838E00D8-349C-DB3E-2708-4AB744138C45}"/>
+                    <a16:creationId xmlns:a16="http://schemas.microsoft.com/office/drawing/2014/main" id="{25763CD1-BA77-0404-A56E-9A05A4CEA3D2}"/>
                   </a:ext>
                 </a:extLst>
               </p:cNvPr>
-              <p:cNvSpPr/>
+              <p:cNvGrpSpPr/>
               <p:nvPr/>
-            </p:nvSpPr>
-            <p:spPr>
+            </p:nvGrpSpPr>
+            <p:grpSpPr>
               <a:xfrm>
-                <a:off x="2476073" y="687318"/>
-                <a:ext cx="425450" cy="425450"/>
+                <a:off x="1618523" y="3500604"/>
+                <a:ext cx="99432" cy="99432"/>
+                <a:chOff x="2476073" y="687318"/>
+                <a:chExt cx="425450" cy="425450"/>
               </a:xfrm>
-              <a:prstGeom prst="ellipse">
-                <a:avLst/>
-              </a:prstGeom>
-              <a:solidFill>
-                <a:srgbClr val="7030A0"/>
-              </a:solidFill>
-              <a:ln>
+            </p:grpSpPr>
+            <p:sp>
+              <p:nvSpPr>
+                <p:cNvPr id="14" name="Oval 13">
+                  <a:extLst>
+                    <a:ext uri="{FF2B5EF4-FFF2-40B4-BE49-F238E27FC236}">
+                      <a16:creationId xmlns:a16="http://schemas.microsoft.com/office/drawing/2014/main" id="{838E00D8-349C-DB3E-2708-4AB744138C45}"/>
+                    </a:ext>
+                  </a:extLst>
+                </p:cNvPr>
+                <p:cNvSpPr/>
+                <p:nvPr/>
+              </p:nvSpPr>
+              <p:spPr>
+                <a:xfrm>
+                  <a:off x="2476073" y="687318"/>
+                  <a:ext cx="425450" cy="425450"/>
+                </a:xfrm>
+                <a:prstGeom prst="ellipse">
+                  <a:avLst/>
+                </a:prstGeom>
+                <a:solidFill>
+                  <a:srgbClr val="7030A0"/>
+                </a:solidFill>
+                <a:ln>
+                  <a:noFill/>
+                </a:ln>
+              </p:spPr>
+              <p:style>
+                <a:lnRef idx="2">
+                  <a:schemeClr val="accent1">
+                    <a:shade val="15000"/>
+                  </a:schemeClr>
+                </a:lnRef>
+                <a:fillRef idx="1">
+                  <a:schemeClr val="accent1"/>
+                </a:fillRef>
+                <a:effectRef idx="0">
+                  <a:schemeClr val="accent1"/>
+                </a:effectRef>
+                <a:fontRef idx="minor">
+                  <a:schemeClr val="lt1"/>
+                </a:fontRef>
+              </p:style>
+              <p:txBody>
+                <a:bodyPr rtlCol="0" anchor="ctr"/>
+                <a:lstStyle/>
+                <a:p>
+                  <a:pPr algn="ctr"/>
+                  <a:endParaRPr lang="en-US"/>
+                </a:p>
+              </p:txBody>
+            </p:sp>
+            <p:sp>
+              <p:nvSpPr>
+                <p:cNvPr id="15" name="Oval 14">
+                  <a:extLst>
+                    <a:ext uri="{FF2B5EF4-FFF2-40B4-BE49-F238E27FC236}">
+                      <a16:creationId xmlns:a16="http://schemas.microsoft.com/office/drawing/2014/main" id="{0551B69F-6869-1F62-62DF-F49F5CF9FD57}"/>
+                    </a:ext>
+                  </a:extLst>
+                </p:cNvPr>
+                <p:cNvSpPr/>
+                <p:nvPr/>
+              </p:nvSpPr>
+              <p:spPr>
+                <a:xfrm>
+                  <a:off x="2476073" y="687318"/>
+                  <a:ext cx="425450" cy="425450"/>
+                </a:xfrm>
+                <a:prstGeom prst="ellipse">
+                  <a:avLst/>
+                </a:prstGeom>
                 <a:noFill/>
-              </a:ln>
-            </p:spPr>
-            <p:style>
-              <a:lnRef idx="2">
-                <a:schemeClr val="accent1">
-                  <a:shade val="15000"/>
-                </a:schemeClr>
-              </a:lnRef>
-              <a:fillRef idx="1">
-                <a:schemeClr val="accent1"/>
-              </a:fillRef>
-              <a:effectRef idx="0">
-                <a:schemeClr val="accent1"/>
-              </a:effectRef>
-              <a:fontRef idx="minor">
-                <a:schemeClr val="lt1"/>
-              </a:fontRef>
-            </p:style>
-            <p:txBody>
-              <a:bodyPr rtlCol="0" anchor="ctr"/>
-              <a:lstStyle/>
-              <a:p>
-                <a:pPr algn="ctr"/>
-                <a:endParaRPr lang="en-US"/>
-              </a:p>
-            </p:txBody>
-          </p:sp>
-          <p:sp>
-            <p:nvSpPr>
-              <p:cNvPr id="15" name="Oval 14">
-                <a:extLst>
-                  <a:ext uri="{FF2B5EF4-FFF2-40B4-BE49-F238E27FC236}">
-                    <a16:creationId xmlns:a16="http://schemas.microsoft.com/office/drawing/2014/main" id="{0551B69F-6869-1F62-62DF-F49F5CF9FD57}"/>
-                  </a:ext>
-                </a:extLst>
-              </p:cNvPr>
-              <p:cNvSpPr/>
-              <p:nvPr/>
-            </p:nvSpPr>
-            <p:spPr>
-              <a:xfrm>
-                <a:off x="2476073" y="687318"/>
-                <a:ext cx="425450" cy="425450"/>
-              </a:xfrm>
-              <a:prstGeom prst="ellipse">
-                <a:avLst/>
-              </a:prstGeom>
-              <a:noFill/>
-              <a:ln w="76200">
-                <a:solidFill>
-                  <a:srgbClr val="000000">
-                    <a:alpha val="14118"/>
-                  </a:srgbClr>
-                </a:solidFill>
-              </a:ln>
-            </p:spPr>
-            <p:style>
-              <a:lnRef idx="2">
-                <a:schemeClr val="accent1">
-                  <a:shade val="15000"/>
-                </a:schemeClr>
-              </a:lnRef>
-              <a:fillRef idx="1">
-                <a:schemeClr val="accent1"/>
-              </a:fillRef>
-              <a:effectRef idx="0">
-                <a:schemeClr val="accent1"/>
-              </a:effectRef>
-              <a:fontRef idx="minor">
-                <a:schemeClr val="lt1"/>
-              </a:fontRef>
-            </p:style>
-            <p:txBody>
-              <a:bodyPr rtlCol="0" anchor="ctr"/>
-              <a:lstStyle/>
-              <a:p>
-                <a:pPr algn="ctr"/>
-                <a:endParaRPr lang="en-US"/>
-              </a:p>
-            </p:txBody>
-          </p:sp>
+                <a:ln w="76200">
+                  <a:solidFill>
+                    <a:srgbClr val="000000">
+                      <a:alpha val="14118"/>
+                    </a:srgbClr>
+                  </a:solidFill>
+                </a:ln>
+              </p:spPr>
+              <p:style>
+                <a:lnRef idx="2">
+                  <a:schemeClr val="accent1">
+                    <a:shade val="15000"/>
+                  </a:schemeClr>
+                </a:lnRef>
+                <a:fillRef idx="1">
+                  <a:schemeClr val="accent1"/>
+                </a:fillRef>
+                <a:effectRef idx="0">
+                  <a:schemeClr val="accent1"/>
+                </a:effectRef>
+                <a:fontRef idx="minor">
+                  <a:schemeClr val="lt1"/>
+                </a:fontRef>
+              </p:style>
+              <p:txBody>
+                <a:bodyPr rtlCol="0" anchor="ctr"/>
+                <a:lstStyle/>
+                <a:p>
+                  <a:pPr algn="ctr"/>
+                  <a:endParaRPr lang="en-US"/>
+                </a:p>
+              </p:txBody>
+            </p:sp>
+          </p:grpSp>
         </p:grpSp>
       </p:grpSp>
     </p:spTree>

--- a/profile/assets/design.pptx
+++ b/profile/assets/design.pptx
@@ -6,7 +6,6 @@
   </p:sldMasterIdLst>
   <p:sldIdLst>
     <p:sldId id="256" r:id="rId2"/>
-    <p:sldId id="258" r:id="rId3"/>
   </p:sldIdLst>
   <p:sldSz cx="12192000" cy="6858000"/>
   <p:notesSz cx="6858000" cy="9144000"/>
@@ -260,7 +259,7 @@
           <a:p>
             <a:fld id="{6434305D-806E-4D9C-9B71-C341374C4185}" type="datetimeFigureOut">
               <a:rPr lang="en-US" smtClean="0"/>
-              <a:t>1/5/2024</a:t>
+              <a:t>1/6/2024</a:t>
             </a:fld>
             <a:endParaRPr lang="en-US"/>
           </a:p>
@@ -458,7 +457,7 @@
           <a:p>
             <a:fld id="{6434305D-806E-4D9C-9B71-C341374C4185}" type="datetimeFigureOut">
               <a:rPr lang="en-US" smtClean="0"/>
-              <a:t>1/5/2024</a:t>
+              <a:t>1/6/2024</a:t>
             </a:fld>
             <a:endParaRPr lang="en-US"/>
           </a:p>
@@ -666,7 +665,7 @@
           <a:p>
             <a:fld id="{6434305D-806E-4D9C-9B71-C341374C4185}" type="datetimeFigureOut">
               <a:rPr lang="en-US" smtClean="0"/>
-              <a:t>1/5/2024</a:t>
+              <a:t>1/6/2024</a:t>
             </a:fld>
             <a:endParaRPr lang="en-US"/>
           </a:p>
@@ -864,7 +863,7 @@
           <a:p>
             <a:fld id="{6434305D-806E-4D9C-9B71-C341374C4185}" type="datetimeFigureOut">
               <a:rPr lang="en-US" smtClean="0"/>
-              <a:t>1/5/2024</a:t>
+              <a:t>1/6/2024</a:t>
             </a:fld>
             <a:endParaRPr lang="en-US"/>
           </a:p>
@@ -1139,7 +1138,7 @@
           <a:p>
             <a:fld id="{6434305D-806E-4D9C-9B71-C341374C4185}" type="datetimeFigureOut">
               <a:rPr lang="en-US" smtClean="0"/>
-              <a:t>1/5/2024</a:t>
+              <a:t>1/6/2024</a:t>
             </a:fld>
             <a:endParaRPr lang="en-US"/>
           </a:p>
@@ -1404,7 +1403,7 @@
           <a:p>
             <a:fld id="{6434305D-806E-4D9C-9B71-C341374C4185}" type="datetimeFigureOut">
               <a:rPr lang="en-US" smtClean="0"/>
-              <a:t>1/5/2024</a:t>
+              <a:t>1/6/2024</a:t>
             </a:fld>
             <a:endParaRPr lang="en-US"/>
           </a:p>
@@ -1816,7 +1815,7 @@
           <a:p>
             <a:fld id="{6434305D-806E-4D9C-9B71-C341374C4185}" type="datetimeFigureOut">
               <a:rPr lang="en-US" smtClean="0"/>
-              <a:t>1/5/2024</a:t>
+              <a:t>1/6/2024</a:t>
             </a:fld>
             <a:endParaRPr lang="en-US"/>
           </a:p>
@@ -1957,7 +1956,7 @@
           <a:p>
             <a:fld id="{6434305D-806E-4D9C-9B71-C341374C4185}" type="datetimeFigureOut">
               <a:rPr lang="en-US" smtClean="0"/>
-              <a:t>1/5/2024</a:t>
+              <a:t>1/6/2024</a:t>
             </a:fld>
             <a:endParaRPr lang="en-US"/>
           </a:p>
@@ -2070,7 +2069,7 @@
           <a:p>
             <a:fld id="{6434305D-806E-4D9C-9B71-C341374C4185}" type="datetimeFigureOut">
               <a:rPr lang="en-US" smtClean="0"/>
-              <a:t>1/5/2024</a:t>
+              <a:t>1/6/2024</a:t>
             </a:fld>
             <a:endParaRPr lang="en-US"/>
           </a:p>
@@ -2381,7 +2380,7 @@
           <a:p>
             <a:fld id="{6434305D-806E-4D9C-9B71-C341374C4185}" type="datetimeFigureOut">
               <a:rPr lang="en-US" smtClean="0"/>
-              <a:t>1/5/2024</a:t>
+              <a:t>1/6/2024</a:t>
             </a:fld>
             <a:endParaRPr lang="en-US"/>
           </a:p>
@@ -2669,7 +2668,7 @@
           <a:p>
             <a:fld id="{6434305D-806E-4D9C-9B71-C341374C4185}" type="datetimeFigureOut">
               <a:rPr lang="en-US" smtClean="0"/>
-              <a:t>1/5/2024</a:t>
+              <a:t>1/6/2024</a:t>
             </a:fld>
             <a:endParaRPr lang="en-US"/>
           </a:p>
@@ -2910,7 +2909,7 @@
           <a:p>
             <a:fld id="{6434305D-806E-4D9C-9B71-C341374C4185}" type="datetimeFigureOut">
               <a:rPr lang="en-US" smtClean="0"/>
-              <a:t>1/5/2024</a:t>
+              <a:t>1/6/2024</a:t>
             </a:fld>
             <a:endParaRPr lang="en-US"/>
           </a:p>
@@ -3357,12 +3356,15 @@
         </p:blipFill>
         <p:spPr>
           <a:xfrm>
-            <a:off x="0" y="1971675"/>
+            <a:off x="0" y="2104212"/>
             <a:ext cx="12192000" cy="2914650"/>
           </a:xfrm>
           <a:prstGeom prst="rect">
             <a:avLst/>
           </a:prstGeom>
+          <a:effectLst>
+            <a:softEdge rad="406400"/>
+          </a:effectLst>
         </p:spPr>
       </p:pic>
       <p:sp>
@@ -3379,8 +3381,8 @@
         </p:nvSpPr>
         <p:spPr>
           <a:xfrm>
-            <a:off x="681038" y="2601119"/>
-            <a:ext cx="10829925" cy="1655763"/>
+            <a:off x="607219" y="2733656"/>
+            <a:ext cx="10977562" cy="1655763"/>
           </a:xfrm>
           <a:prstGeom prst="roundRect">
             <a:avLst>
@@ -3401,7 +3403,7 @@
                 <a:alpha val="40000"/>
               </a:prstClr>
             </a:outerShdw>
-            <a:softEdge rad="31750"/>
+            <a:softEdge rad="12700"/>
           </a:effectLst>
         </p:spPr>
         <p:style>
@@ -3447,7 +3449,7 @@
         </p:nvSpPr>
         <p:spPr>
           <a:xfrm>
-            <a:off x="2378464" y="2771206"/>
+            <a:off x="2416564" y="2903743"/>
             <a:ext cx="9144000" cy="1655762"/>
           </a:xfrm>
           <a:effectLst>
@@ -3474,7 +3476,7 @@
               <a:rPr lang="en-US" altLang="zh-CN" sz="11500" b="1" dirty="0">
                 <a:latin typeface="Aptos" panose="020B0004020202020204" pitchFamily="34" charset="0"/>
               </a:rPr>
-              <a:t>andslideSIM</a:t>
+              <a:t>andslideSML</a:t>
             </a:r>
             <a:endParaRPr lang="en-US" sz="11500" b="1" dirty="0">
               <a:latin typeface="Aptos" panose="020B0004020202020204" pitchFamily="34" charset="0"/>
@@ -3484,10 +3486,10 @@
       </p:sp>
       <p:grpSp>
         <p:nvGrpSpPr>
-          <p:cNvPr id="36" name="Group 35">
-            <a:extLst>
-              <a:ext uri="{FF2B5EF4-FFF2-40B4-BE49-F238E27FC236}">
-                <a16:creationId xmlns:a16="http://schemas.microsoft.com/office/drawing/2014/main" id="{84CE23AD-69F7-6A21-BA90-31B641188C3E}"/>
+          <p:cNvPr id="102" name="Group 101">
+            <a:extLst>
+              <a:ext uri="{FF2B5EF4-FFF2-40B4-BE49-F238E27FC236}">
+                <a16:creationId xmlns:a16="http://schemas.microsoft.com/office/drawing/2014/main" id="{73B812A9-C26F-05E2-23CA-37C18A98AED5}"/>
               </a:ext>
             </a:extLst>
           </p:cNvPr>
@@ -3496,80 +3498,18 @@
         </p:nvGrpSpPr>
         <p:grpSpPr>
           <a:xfrm>
-            <a:off x="1171853" y="2887300"/>
-            <a:ext cx="1256744" cy="1083400"/>
-            <a:chOff x="1171853" y="2887300"/>
-            <a:chExt cx="1256744" cy="1083400"/>
+            <a:off x="1002899" y="3008876"/>
+            <a:ext cx="1526357" cy="1143421"/>
+            <a:chOff x="998157" y="3030836"/>
+            <a:chExt cx="1526357" cy="1143421"/>
           </a:xfrm>
         </p:grpSpPr>
-        <p:sp>
-          <p:nvSpPr>
-            <p:cNvPr id="29" name="Isosceles Triangle 28">
+        <p:pic>
+          <p:nvPicPr>
+            <p:cNvPr id="81" name="Graphic 80">
               <a:extLst>
                 <a:ext uri="{FF2B5EF4-FFF2-40B4-BE49-F238E27FC236}">
-                  <a16:creationId xmlns:a16="http://schemas.microsoft.com/office/drawing/2014/main" id="{5A5B7847-3BAF-A64A-F1A1-0DD901FE239E}"/>
-                </a:ext>
-              </a:extLst>
-            </p:cNvPr>
-            <p:cNvSpPr/>
-            <p:nvPr/>
-          </p:nvSpPr>
-          <p:spPr>
-            <a:xfrm>
-              <a:off x="1178223" y="2887300"/>
-              <a:ext cx="1206383" cy="1039985"/>
-            </a:xfrm>
-            <a:prstGeom prst="triangle">
-              <a:avLst/>
-            </a:prstGeom>
-            <a:solidFill>
-              <a:schemeClr val="bg1">
-                <a:lumMod val="95000"/>
-              </a:schemeClr>
-            </a:solidFill>
-            <a:ln w="76200" cap="rnd">
-              <a:noFill/>
-              <a:round/>
-            </a:ln>
-            <a:effectLst>
-              <a:glow rad="25400">
-                <a:schemeClr val="tx1">
-                  <a:alpha val="25000"/>
-                </a:schemeClr>
-              </a:glow>
-            </a:effectLst>
-          </p:spPr>
-          <p:style>
-            <a:lnRef idx="2">
-              <a:schemeClr val="accent1">
-                <a:shade val="15000"/>
-              </a:schemeClr>
-            </a:lnRef>
-            <a:fillRef idx="1">
-              <a:schemeClr val="accent1"/>
-            </a:fillRef>
-            <a:effectRef idx="0">
-              <a:schemeClr val="accent1"/>
-            </a:effectRef>
-            <a:fontRef idx="minor">
-              <a:schemeClr val="lt1"/>
-            </a:fontRef>
-          </p:style>
-          <p:txBody>
-            <a:bodyPr rtlCol="0" anchor="ctr"/>
-            <a:lstStyle/>
-            <a:p>
-              <a:pPr algn="ctr"/>
-              <a:endParaRPr lang="en-US"/>
-            </a:p>
-          </p:txBody>
-        </p:sp>
-        <p:pic>
-          <p:nvPicPr>
-            <p:cNvPr id="28" name="Graphic 27">
-              <a:extLst>
-                <a:ext uri="{FF2B5EF4-FFF2-40B4-BE49-F238E27FC236}">
-                  <a16:creationId xmlns:a16="http://schemas.microsoft.com/office/drawing/2014/main" id="{673109F0-75DB-DCC9-BB8B-95E6DCF12AC2}"/>
+                  <a16:creationId xmlns:a16="http://schemas.microsoft.com/office/drawing/2014/main" id="{8E672D5D-0769-945A-48E1-B4BB6E990E33}"/>
                 </a:ext>
               </a:extLst>
             </p:cNvPr>
@@ -3595,376 +3535,20 @@
           </p:blipFill>
           <p:spPr>
             <a:xfrm>
-              <a:off x="1645445" y="3208489"/>
-              <a:ext cx="382504" cy="718796"/>
+              <a:off x="998157" y="3030836"/>
+              <a:ext cx="1526357" cy="1143421"/>
             </a:xfrm>
             <a:prstGeom prst="rect">
               <a:avLst/>
             </a:prstGeom>
           </p:spPr>
         </p:pic>
-        <p:sp>
-          <p:nvSpPr>
-            <p:cNvPr id="32" name="Graphic 29">
+        <p:grpSp>
+          <p:nvGrpSpPr>
+            <p:cNvPr id="85" name="Graphic 82">
               <a:extLst>
                 <a:ext uri="{FF2B5EF4-FFF2-40B4-BE49-F238E27FC236}">
-                  <a16:creationId xmlns:a16="http://schemas.microsoft.com/office/drawing/2014/main" id="{51EBC972-B371-FB62-8671-962E2A39E79F}"/>
-                </a:ext>
-              </a:extLst>
-            </p:cNvPr>
-            <p:cNvSpPr/>
-            <p:nvPr/>
-          </p:nvSpPr>
-          <p:spPr>
-            <a:xfrm>
-              <a:off x="1367281" y="3645904"/>
-              <a:ext cx="455349" cy="291824"/>
-            </a:xfrm>
-            <a:custGeom>
-              <a:avLst/>
-              <a:gdLst>
-                <a:gd name="connsiteX0" fmla="*/ 0 w 455348"/>
-                <a:gd name="connsiteY0" fmla="*/ 713188 h 718327"/>
-                <a:gd name="connsiteX1" fmla="*/ 452784 w 455348"/>
-                <a:gd name="connsiteY1" fmla="*/ 718328 h 718327"/>
-                <a:gd name="connsiteX2" fmla="*/ 455349 w 455348"/>
-                <a:gd name="connsiteY2" fmla="*/ 0 h 718327"/>
-                <a:gd name="connsiteX3" fmla="*/ 385252 w 455348"/>
-                <a:gd name="connsiteY3" fmla="*/ 38756 h 718327"/>
-                <a:gd name="connsiteX4" fmla="*/ 135264 w 455348"/>
-                <a:gd name="connsiteY4" fmla="*/ 492998 h 718327"/>
-                <a:gd name="connsiteX5" fmla="*/ 34026 w 455348"/>
-                <a:gd name="connsiteY5" fmla="*/ 630535 h 718327"/>
-                <a:gd name="connsiteX6" fmla="*/ 0 w 455348"/>
-                <a:gd name="connsiteY6" fmla="*/ 713168 h 718327"/>
-                <a:gd name="connsiteX7" fmla="*/ 0 w 455348"/>
-                <a:gd name="connsiteY7" fmla="*/ 713168 h 718327"/>
-                <a:gd name="connsiteX0" fmla="*/ 0 w 455349"/>
-                <a:gd name="connsiteY0" fmla="*/ 713188 h 718328"/>
-                <a:gd name="connsiteX1" fmla="*/ 452784 w 455349"/>
-                <a:gd name="connsiteY1" fmla="*/ 718328 h 718328"/>
-                <a:gd name="connsiteX2" fmla="*/ 455349 w 455349"/>
-                <a:gd name="connsiteY2" fmla="*/ 0 h 718328"/>
-                <a:gd name="connsiteX3" fmla="*/ 385252 w 455349"/>
-                <a:gd name="connsiteY3" fmla="*/ 38756 h 718328"/>
-                <a:gd name="connsiteX4" fmla="*/ 135264 w 455349"/>
-                <a:gd name="connsiteY4" fmla="*/ 492998 h 718328"/>
-                <a:gd name="connsiteX5" fmla="*/ 34026 w 455349"/>
-                <a:gd name="connsiteY5" fmla="*/ 630535 h 718328"/>
-                <a:gd name="connsiteX6" fmla="*/ 0 w 455349"/>
-                <a:gd name="connsiteY6" fmla="*/ 713168 h 718328"/>
-                <a:gd name="connsiteX7" fmla="*/ 0 w 455349"/>
-                <a:gd name="connsiteY7" fmla="*/ 713168 h 718328"/>
-                <a:gd name="connsiteX8" fmla="*/ 0 w 455349"/>
-                <a:gd name="connsiteY8" fmla="*/ 713188 h 718328"/>
-                <a:gd name="connsiteX0" fmla="*/ 0 w 455349"/>
-                <a:gd name="connsiteY0" fmla="*/ 713188 h 718328"/>
-                <a:gd name="connsiteX1" fmla="*/ 452784 w 455349"/>
-                <a:gd name="connsiteY1" fmla="*/ 718328 h 718328"/>
-                <a:gd name="connsiteX2" fmla="*/ 455349 w 455349"/>
-                <a:gd name="connsiteY2" fmla="*/ 0 h 718328"/>
-                <a:gd name="connsiteX3" fmla="*/ 385252 w 455349"/>
-                <a:gd name="connsiteY3" fmla="*/ 38756 h 718328"/>
-                <a:gd name="connsiteX4" fmla="*/ 135264 w 455349"/>
-                <a:gd name="connsiteY4" fmla="*/ 492998 h 718328"/>
-                <a:gd name="connsiteX5" fmla="*/ 116179 w 455349"/>
-                <a:gd name="connsiteY5" fmla="*/ 622201 h 718328"/>
-                <a:gd name="connsiteX6" fmla="*/ 0 w 455349"/>
-                <a:gd name="connsiteY6" fmla="*/ 713168 h 718328"/>
-                <a:gd name="connsiteX7" fmla="*/ 0 w 455349"/>
-                <a:gd name="connsiteY7" fmla="*/ 713168 h 718328"/>
-                <a:gd name="connsiteX8" fmla="*/ 0 w 455349"/>
-                <a:gd name="connsiteY8" fmla="*/ 713188 h 718328"/>
-                <a:gd name="connsiteX0" fmla="*/ 0 w 455349"/>
-                <a:gd name="connsiteY0" fmla="*/ 713188 h 718328"/>
-                <a:gd name="connsiteX1" fmla="*/ 452784 w 455349"/>
-                <a:gd name="connsiteY1" fmla="*/ 718328 h 718328"/>
-                <a:gd name="connsiteX2" fmla="*/ 455349 w 455349"/>
-                <a:gd name="connsiteY2" fmla="*/ 0 h 718328"/>
-                <a:gd name="connsiteX3" fmla="*/ 385252 w 455349"/>
-                <a:gd name="connsiteY3" fmla="*/ 38756 h 718328"/>
-                <a:gd name="connsiteX4" fmla="*/ 135264 w 455349"/>
-                <a:gd name="connsiteY4" fmla="*/ 492998 h 718328"/>
-                <a:gd name="connsiteX5" fmla="*/ 47123 w 455349"/>
-                <a:gd name="connsiteY5" fmla="*/ 550778 h 718328"/>
-                <a:gd name="connsiteX6" fmla="*/ 0 w 455349"/>
-                <a:gd name="connsiteY6" fmla="*/ 713168 h 718328"/>
-                <a:gd name="connsiteX7" fmla="*/ 0 w 455349"/>
-                <a:gd name="connsiteY7" fmla="*/ 713168 h 718328"/>
-                <a:gd name="connsiteX8" fmla="*/ 0 w 455349"/>
-                <a:gd name="connsiteY8" fmla="*/ 713188 h 718328"/>
-                <a:gd name="connsiteX0" fmla="*/ 0 w 455349"/>
-                <a:gd name="connsiteY0" fmla="*/ 724266 h 729406"/>
-                <a:gd name="connsiteX1" fmla="*/ 452784 w 455349"/>
-                <a:gd name="connsiteY1" fmla="*/ 729406 h 729406"/>
-                <a:gd name="connsiteX2" fmla="*/ 455349 w 455349"/>
-                <a:gd name="connsiteY2" fmla="*/ 11078 h 729406"/>
-                <a:gd name="connsiteX3" fmla="*/ 385252 w 455349"/>
-                <a:gd name="connsiteY3" fmla="*/ 49834 h 729406"/>
-                <a:gd name="connsiteX4" fmla="*/ 135264 w 455349"/>
-                <a:gd name="connsiteY4" fmla="*/ 498125 h 729406"/>
-                <a:gd name="connsiteX5" fmla="*/ 47123 w 455349"/>
-                <a:gd name="connsiteY5" fmla="*/ 561856 h 729406"/>
-                <a:gd name="connsiteX6" fmla="*/ 0 w 455349"/>
-                <a:gd name="connsiteY6" fmla="*/ 724246 h 729406"/>
-                <a:gd name="connsiteX7" fmla="*/ 0 w 455349"/>
-                <a:gd name="connsiteY7" fmla="*/ 724246 h 729406"/>
-                <a:gd name="connsiteX8" fmla="*/ 0 w 455349"/>
-                <a:gd name="connsiteY8" fmla="*/ 724266 h 729406"/>
-                <a:gd name="connsiteX0" fmla="*/ 0 w 455349"/>
-                <a:gd name="connsiteY0" fmla="*/ 724266 h 729406"/>
-                <a:gd name="connsiteX1" fmla="*/ 452784 w 455349"/>
-                <a:gd name="connsiteY1" fmla="*/ 729406 h 729406"/>
-                <a:gd name="connsiteX2" fmla="*/ 455349 w 455349"/>
-                <a:gd name="connsiteY2" fmla="*/ 11078 h 729406"/>
-                <a:gd name="connsiteX3" fmla="*/ 385252 w 455349"/>
-                <a:gd name="connsiteY3" fmla="*/ 49834 h 729406"/>
-                <a:gd name="connsiteX4" fmla="*/ 135264 w 455349"/>
-                <a:gd name="connsiteY4" fmla="*/ 498125 h 729406"/>
-                <a:gd name="connsiteX5" fmla="*/ 47123 w 455349"/>
-                <a:gd name="connsiteY5" fmla="*/ 561856 h 729406"/>
-                <a:gd name="connsiteX6" fmla="*/ 0 w 455349"/>
-                <a:gd name="connsiteY6" fmla="*/ 724246 h 729406"/>
-                <a:gd name="connsiteX7" fmla="*/ 0 w 455349"/>
-                <a:gd name="connsiteY7" fmla="*/ 724246 h 729406"/>
-                <a:gd name="connsiteX8" fmla="*/ 0 w 455349"/>
-                <a:gd name="connsiteY8" fmla="*/ 724266 h 729406"/>
-                <a:gd name="connsiteX0" fmla="*/ 0 w 455349"/>
-                <a:gd name="connsiteY0" fmla="*/ 724266 h 729406"/>
-                <a:gd name="connsiteX1" fmla="*/ 452784 w 455349"/>
-                <a:gd name="connsiteY1" fmla="*/ 729406 h 729406"/>
-                <a:gd name="connsiteX2" fmla="*/ 455349 w 455349"/>
-                <a:gd name="connsiteY2" fmla="*/ 11078 h 729406"/>
-                <a:gd name="connsiteX3" fmla="*/ 385252 w 455349"/>
-                <a:gd name="connsiteY3" fmla="*/ 49834 h 729406"/>
-                <a:gd name="connsiteX4" fmla="*/ 135264 w 455349"/>
-                <a:gd name="connsiteY4" fmla="*/ 498125 h 729406"/>
-                <a:gd name="connsiteX5" fmla="*/ 47123 w 455349"/>
-                <a:gd name="connsiteY5" fmla="*/ 561856 h 729406"/>
-                <a:gd name="connsiteX6" fmla="*/ 0 w 455349"/>
-                <a:gd name="connsiteY6" fmla="*/ 724246 h 729406"/>
-                <a:gd name="connsiteX7" fmla="*/ 0 w 455349"/>
-                <a:gd name="connsiteY7" fmla="*/ 724246 h 729406"/>
-                <a:gd name="connsiteX8" fmla="*/ 0 w 455349"/>
-                <a:gd name="connsiteY8" fmla="*/ 724266 h 729406"/>
-                <a:gd name="connsiteX0" fmla="*/ 0 w 455349"/>
-                <a:gd name="connsiteY0" fmla="*/ 724266 h 729406"/>
-                <a:gd name="connsiteX1" fmla="*/ 452784 w 455349"/>
-                <a:gd name="connsiteY1" fmla="*/ 729406 h 729406"/>
-                <a:gd name="connsiteX2" fmla="*/ 455349 w 455349"/>
-                <a:gd name="connsiteY2" fmla="*/ 11078 h 729406"/>
-                <a:gd name="connsiteX3" fmla="*/ 385252 w 455349"/>
-                <a:gd name="connsiteY3" fmla="*/ 49834 h 729406"/>
-                <a:gd name="connsiteX4" fmla="*/ 135264 w 455349"/>
-                <a:gd name="connsiteY4" fmla="*/ 498125 h 729406"/>
-                <a:gd name="connsiteX5" fmla="*/ 67364 w 455349"/>
-                <a:gd name="connsiteY5" fmla="*/ 594592 h 729406"/>
-                <a:gd name="connsiteX6" fmla="*/ 0 w 455349"/>
-                <a:gd name="connsiteY6" fmla="*/ 724246 h 729406"/>
-                <a:gd name="connsiteX7" fmla="*/ 0 w 455349"/>
-                <a:gd name="connsiteY7" fmla="*/ 724246 h 729406"/>
-                <a:gd name="connsiteX8" fmla="*/ 0 w 455349"/>
-                <a:gd name="connsiteY8" fmla="*/ 724266 h 729406"/>
-              </a:gdLst>
-              <a:ahLst/>
-              <a:cxnLst>
-                <a:cxn ang="0">
-                  <a:pos x="connsiteX0" y="connsiteY0"/>
-                </a:cxn>
-                <a:cxn ang="0">
-                  <a:pos x="connsiteX1" y="connsiteY1"/>
-                </a:cxn>
-                <a:cxn ang="0">
-                  <a:pos x="connsiteX2" y="connsiteY2"/>
-                </a:cxn>
-                <a:cxn ang="0">
-                  <a:pos x="connsiteX3" y="connsiteY3"/>
-                </a:cxn>
-                <a:cxn ang="0">
-                  <a:pos x="connsiteX4" y="connsiteY4"/>
-                </a:cxn>
-                <a:cxn ang="0">
-                  <a:pos x="connsiteX5" y="connsiteY5"/>
-                </a:cxn>
-                <a:cxn ang="0">
-                  <a:pos x="connsiteX6" y="connsiteY6"/>
-                </a:cxn>
-                <a:cxn ang="0">
-                  <a:pos x="connsiteX7" y="connsiteY7"/>
-                </a:cxn>
-                <a:cxn ang="0">
-                  <a:pos x="connsiteX8" y="connsiteY8"/>
-                </a:cxn>
-              </a:cxnLst>
-              <a:rect l="l" t="t" r="r" b="b"/>
-              <a:pathLst>
-                <a:path w="455349" h="729406">
-                  <a:moveTo>
-                    <a:pt x="0" y="724266"/>
-                  </a:moveTo>
-                  <a:cubicBezTo>
-                    <a:pt x="172359" y="730741"/>
-                    <a:pt x="301856" y="727693"/>
-                    <a:pt x="452784" y="729406"/>
-                  </a:cubicBezTo>
-                  <a:lnTo>
-                    <a:pt x="455349" y="11078"/>
-                  </a:lnTo>
-                  <a:cubicBezTo>
-                    <a:pt x="455349" y="11078"/>
-                    <a:pt x="438599" y="-31340"/>
-                    <a:pt x="385252" y="49834"/>
-                  </a:cubicBezTo>
-                  <a:cubicBezTo>
-                    <a:pt x="331905" y="131008"/>
-                    <a:pt x="349632" y="436565"/>
-                    <a:pt x="135264" y="498125"/>
-                  </a:cubicBezTo>
-                  <a:cubicBezTo>
-                    <a:pt x="73756" y="547304"/>
-                    <a:pt x="67364" y="594592"/>
-                    <a:pt x="67364" y="594592"/>
-                  </a:cubicBezTo>
-                  <a:cubicBezTo>
-                    <a:pt x="67364" y="594592"/>
-                    <a:pt x="2708" y="662744"/>
-                    <a:pt x="0" y="724246"/>
-                  </a:cubicBezTo>
-                  <a:lnTo>
-                    <a:pt x="0" y="724246"/>
-                  </a:lnTo>
-                  <a:lnTo>
-                    <a:pt x="0" y="724266"/>
-                  </a:lnTo>
-                  <a:close/>
-                </a:path>
-              </a:pathLst>
-            </a:custGeom>
-            <a:solidFill>
-              <a:schemeClr val="tx1">
-                <a:lumMod val="50000"/>
-                <a:lumOff val="50000"/>
-              </a:schemeClr>
-            </a:solidFill>
-            <a:ln w="0" cap="flat">
-              <a:noFill/>
-              <a:prstDash val="solid"/>
-              <a:miter/>
-            </a:ln>
-          </p:spPr>
-          <p:txBody>
-            <a:bodyPr rtlCol="0" anchor="ctr"/>
-            <a:lstStyle/>
-            <a:p>
-              <a:endParaRPr lang="en-US"/>
-            </a:p>
-          </p:txBody>
-        </p:sp>
-        <p:pic>
-          <p:nvPicPr>
-            <p:cNvPr id="33" name="Graphic 32">
-              <a:extLst>
-                <a:ext uri="{FF2B5EF4-FFF2-40B4-BE49-F238E27FC236}">
-                  <a16:creationId xmlns:a16="http://schemas.microsoft.com/office/drawing/2014/main" id="{F26C4E9B-A2E5-7F4A-CF5F-201F7B1A4C06}"/>
-                </a:ext>
-              </a:extLst>
-            </p:cNvPr>
-            <p:cNvPicPr>
-              <a:picLocks noChangeAspect="1"/>
-            </p:cNvPicPr>
-            <p:nvPr/>
-          </p:nvPicPr>
-          <p:blipFill>
-            <a:blip r:embed="rId4">
-              <a:extLst>
-                <a:ext uri="{28A0092B-C50C-407E-A947-70E740481C1C}">
-                  <a14:useLocalDpi xmlns:a14="http://schemas.microsoft.com/office/drawing/2010/main" val="0"/>
-                </a:ext>
-                <a:ext uri="{96DAC541-7B7A-43D3-8B79-37D633B846F1}">
-                  <asvg:svgBlip xmlns:asvg="http://schemas.microsoft.com/office/drawing/2016/SVG/main" r:embed="rId5"/>
-                </a:ext>
-              </a:extLst>
-            </a:blip>
-            <a:stretch>
-              <a:fillRect/>
-            </a:stretch>
-          </p:blipFill>
-          <p:spPr>
-            <a:xfrm flipH="1">
-              <a:off x="1954438" y="3218932"/>
-              <a:ext cx="455348" cy="718796"/>
-            </a:xfrm>
-            <a:prstGeom prst="rect">
-              <a:avLst/>
-            </a:prstGeom>
-          </p:spPr>
-        </p:pic>
-        <p:sp>
-          <p:nvSpPr>
-            <p:cNvPr id="24" name="Isosceles Triangle 23">
-              <a:extLst>
-                <a:ext uri="{FF2B5EF4-FFF2-40B4-BE49-F238E27FC236}">
-                  <a16:creationId xmlns:a16="http://schemas.microsoft.com/office/drawing/2014/main" id="{5FB95CCC-A39A-B127-9175-CDD182C1C741}"/>
-                </a:ext>
-              </a:extLst>
-            </p:cNvPr>
-            <p:cNvSpPr/>
-            <p:nvPr/>
-          </p:nvSpPr>
-          <p:spPr>
-            <a:xfrm>
-              <a:off x="1171853" y="2887300"/>
-              <a:ext cx="1256744" cy="1083400"/>
-            </a:xfrm>
-            <a:prstGeom prst="triangle">
-              <a:avLst/>
-            </a:prstGeom>
-            <a:noFill/>
-            <a:ln w="104775" cap="rnd">
-              <a:solidFill>
-                <a:srgbClr val="CE3B33"/>
-              </a:solidFill>
-              <a:round/>
-            </a:ln>
-            <a:effectLst>
-              <a:glow rad="25400">
-                <a:schemeClr val="tx1">
-                  <a:alpha val="25000"/>
-                </a:schemeClr>
-              </a:glow>
-            </a:effectLst>
-          </p:spPr>
-          <p:style>
-            <a:lnRef idx="2">
-              <a:schemeClr val="accent1">
-                <a:shade val="15000"/>
-              </a:schemeClr>
-            </a:lnRef>
-            <a:fillRef idx="1">
-              <a:schemeClr val="accent1"/>
-            </a:fillRef>
-            <a:effectRef idx="0">
-              <a:schemeClr val="accent1"/>
-            </a:effectRef>
-            <a:fontRef idx="minor">
-              <a:schemeClr val="lt1"/>
-            </a:fontRef>
-          </p:style>
-          <p:txBody>
-            <a:bodyPr rtlCol="0" anchor="ctr"/>
-            <a:lstStyle/>
-            <a:p>
-              <a:pPr algn="ctr"/>
-              <a:endParaRPr lang="en-US"/>
-            </a:p>
-          </p:txBody>
-        </p:sp>
-        <p:grpSp>
-          <p:nvGrpSpPr>
-            <p:cNvPr id="9" name="Group 8">
-              <a:extLst>
-                <a:ext uri="{FF2B5EF4-FFF2-40B4-BE49-F238E27FC236}">
-                  <a16:creationId xmlns:a16="http://schemas.microsoft.com/office/drawing/2014/main" id="{24A56EA4-F43A-ED58-D814-B035E1E8D164}"/>
+                  <a16:creationId xmlns:a16="http://schemas.microsoft.com/office/drawing/2014/main" id="{BBF01420-C911-FE4C-85F5-7A86A0E5CD3D}"/>
                 </a:ext>
               </a:extLst>
             </p:cNvPr>
@@ -3973,18 +3557,21 @@
           </p:nvGrpSpPr>
           <p:grpSpPr>
             <a:xfrm>
-              <a:off x="1723198" y="3260289"/>
-              <a:ext cx="99432" cy="99432"/>
-              <a:chOff x="2284413" y="541338"/>
-              <a:chExt cx="425450" cy="425450"/>
+              <a:off x="1688325" y="3183295"/>
+              <a:ext cx="615277" cy="859138"/>
+              <a:chOff x="4088563" y="4093595"/>
+              <a:chExt cx="496002" cy="842058"/>
             </a:xfrm>
+            <a:solidFill>
+              <a:schemeClr val="tx1"/>
+            </a:solidFill>
           </p:grpSpPr>
           <p:sp>
             <p:nvSpPr>
-              <p:cNvPr id="7" name="Oval 6">
+              <p:cNvPr id="86" name="Freeform: Shape 85">
                 <a:extLst>
                   <a:ext uri="{FF2B5EF4-FFF2-40B4-BE49-F238E27FC236}">
-                    <a16:creationId xmlns:a16="http://schemas.microsoft.com/office/drawing/2014/main" id="{FC68899C-ADCD-C94E-1149-813AE4AEEA1F}"/>
+                    <a16:creationId xmlns:a16="http://schemas.microsoft.com/office/drawing/2014/main" id="{14F8F4AD-7CF3-84EC-3765-944720A33C56}"/>
                   </a:ext>
                 </a:extLst>
               </p:cNvPr>
@@ -3993,785 +3580,30 @@
             </p:nvSpPr>
             <p:spPr>
               <a:xfrm>
-                <a:off x="2284413" y="541338"/>
-                <a:ext cx="425450" cy="425450"/>
-              </a:xfrm>
-              <a:prstGeom prst="ellipse">
-                <a:avLst/>
-              </a:prstGeom>
-              <a:ln>
-                <a:noFill/>
-              </a:ln>
-            </p:spPr>
-            <p:style>
-              <a:lnRef idx="2">
-                <a:schemeClr val="accent1">
-                  <a:shade val="15000"/>
-                </a:schemeClr>
-              </a:lnRef>
-              <a:fillRef idx="1">
-                <a:schemeClr val="accent1"/>
-              </a:fillRef>
-              <a:effectRef idx="0">
-                <a:schemeClr val="accent1"/>
-              </a:effectRef>
-              <a:fontRef idx="minor">
-                <a:schemeClr val="lt1"/>
-              </a:fontRef>
-            </p:style>
-            <p:txBody>
-              <a:bodyPr rtlCol="0" anchor="ctr"/>
-              <a:lstStyle/>
-              <a:p>
-                <a:pPr algn="ctr"/>
-                <a:endParaRPr lang="en-US"/>
-              </a:p>
-            </p:txBody>
-          </p:sp>
-          <p:sp>
-            <p:nvSpPr>
-              <p:cNvPr id="8" name="Oval 7">
-                <a:extLst>
-                  <a:ext uri="{FF2B5EF4-FFF2-40B4-BE49-F238E27FC236}">
-                    <a16:creationId xmlns:a16="http://schemas.microsoft.com/office/drawing/2014/main" id="{408A0151-2363-AA59-42F3-F140A4824948}"/>
-                  </a:ext>
-                </a:extLst>
-              </p:cNvPr>
-              <p:cNvSpPr/>
-              <p:nvPr/>
-            </p:nvSpPr>
-            <p:spPr>
-              <a:xfrm>
-                <a:off x="2284413" y="541338"/>
-                <a:ext cx="425450" cy="425450"/>
-              </a:xfrm>
-              <a:prstGeom prst="ellipse">
-                <a:avLst/>
-              </a:prstGeom>
-              <a:noFill/>
-              <a:ln w="76200">
-                <a:solidFill>
-                  <a:srgbClr val="000000">
-                    <a:alpha val="14118"/>
-                  </a:srgbClr>
-                </a:solidFill>
-              </a:ln>
-            </p:spPr>
-            <p:style>
-              <a:lnRef idx="2">
-                <a:schemeClr val="accent1">
-                  <a:shade val="15000"/>
-                </a:schemeClr>
-              </a:lnRef>
-              <a:fillRef idx="1">
-                <a:schemeClr val="accent1"/>
-              </a:fillRef>
-              <a:effectRef idx="0">
-                <a:schemeClr val="accent1"/>
-              </a:effectRef>
-              <a:fontRef idx="minor">
-                <a:schemeClr val="lt1"/>
-              </a:fontRef>
-            </p:style>
-            <p:txBody>
-              <a:bodyPr rtlCol="0" anchor="ctr"/>
-              <a:lstStyle/>
-              <a:p>
-                <a:pPr algn="ctr"/>
-                <a:endParaRPr lang="en-US"/>
-              </a:p>
-            </p:txBody>
-          </p:sp>
-        </p:grpSp>
-        <p:grpSp>
-          <p:nvGrpSpPr>
-            <p:cNvPr id="10" name="Group 9">
-              <a:extLst>
-                <a:ext uri="{FF2B5EF4-FFF2-40B4-BE49-F238E27FC236}">
-                  <a16:creationId xmlns:a16="http://schemas.microsoft.com/office/drawing/2014/main" id="{58F72235-D8D9-FA70-B0B0-9BA6B89B6A39}"/>
-                </a:ext>
-              </a:extLst>
-            </p:cNvPr>
-            <p:cNvGrpSpPr/>
-            <p:nvPr/>
-          </p:nvGrpSpPr>
-          <p:grpSpPr>
-            <a:xfrm>
-              <a:off x="1483070" y="3645904"/>
-              <a:ext cx="99432" cy="99432"/>
-              <a:chOff x="2284413" y="541338"/>
-              <a:chExt cx="425450" cy="425450"/>
-            </a:xfrm>
-          </p:grpSpPr>
-          <p:sp>
-            <p:nvSpPr>
-              <p:cNvPr id="11" name="Oval 10">
-                <a:extLst>
-                  <a:ext uri="{FF2B5EF4-FFF2-40B4-BE49-F238E27FC236}">
-                    <a16:creationId xmlns:a16="http://schemas.microsoft.com/office/drawing/2014/main" id="{1A43BDBD-510A-AC3F-DCF3-0923FBB80E0D}"/>
-                  </a:ext>
-                </a:extLst>
-              </p:cNvPr>
-              <p:cNvSpPr/>
-              <p:nvPr/>
-            </p:nvSpPr>
-            <p:spPr>
-              <a:xfrm>
-                <a:off x="2284413" y="541338"/>
-                <a:ext cx="425450" cy="425450"/>
-              </a:xfrm>
-              <a:prstGeom prst="ellipse">
-                <a:avLst/>
-              </a:prstGeom>
-              <a:ln>
-                <a:noFill/>
-              </a:ln>
-            </p:spPr>
-            <p:style>
-              <a:lnRef idx="2">
-                <a:schemeClr val="accent1">
-                  <a:shade val="15000"/>
-                </a:schemeClr>
-              </a:lnRef>
-              <a:fillRef idx="1">
-                <a:schemeClr val="accent1"/>
-              </a:fillRef>
-              <a:effectRef idx="0">
-                <a:schemeClr val="accent1"/>
-              </a:effectRef>
-              <a:fontRef idx="minor">
-                <a:schemeClr val="lt1"/>
-              </a:fontRef>
-            </p:style>
-            <p:txBody>
-              <a:bodyPr rtlCol="0" anchor="ctr"/>
-              <a:lstStyle/>
-              <a:p>
-                <a:pPr algn="ctr"/>
-                <a:endParaRPr lang="en-US"/>
-              </a:p>
-            </p:txBody>
-          </p:sp>
-          <p:sp>
-            <p:nvSpPr>
-              <p:cNvPr id="12" name="Oval 11">
-                <a:extLst>
-                  <a:ext uri="{FF2B5EF4-FFF2-40B4-BE49-F238E27FC236}">
-                    <a16:creationId xmlns:a16="http://schemas.microsoft.com/office/drawing/2014/main" id="{A7820727-AAF1-C4E6-4DDC-77D53250AF84}"/>
-                  </a:ext>
-                </a:extLst>
-              </p:cNvPr>
-              <p:cNvSpPr/>
-              <p:nvPr/>
-            </p:nvSpPr>
-            <p:spPr>
-              <a:xfrm>
-                <a:off x="2284413" y="541338"/>
-                <a:ext cx="425450" cy="425450"/>
-              </a:xfrm>
-              <a:prstGeom prst="ellipse">
-                <a:avLst/>
-              </a:prstGeom>
-              <a:solidFill>
-                <a:schemeClr val="accent6"/>
-              </a:solidFill>
-              <a:ln w="76200">
-                <a:solidFill>
-                  <a:srgbClr val="000000">
-                    <a:alpha val="14118"/>
-                  </a:srgbClr>
-                </a:solidFill>
-              </a:ln>
-            </p:spPr>
-            <p:style>
-              <a:lnRef idx="2">
-                <a:schemeClr val="accent1">
-                  <a:shade val="15000"/>
-                </a:schemeClr>
-              </a:lnRef>
-              <a:fillRef idx="1">
-                <a:schemeClr val="accent1"/>
-              </a:fillRef>
-              <a:effectRef idx="0">
-                <a:schemeClr val="accent1"/>
-              </a:effectRef>
-              <a:fontRef idx="minor">
-                <a:schemeClr val="lt1"/>
-              </a:fontRef>
-            </p:style>
-            <p:txBody>
-              <a:bodyPr rtlCol="0" anchor="ctr"/>
-              <a:lstStyle/>
-              <a:p>
-                <a:pPr algn="ctr"/>
-                <a:endParaRPr lang="en-US"/>
-              </a:p>
-            </p:txBody>
-          </p:sp>
-        </p:grpSp>
-        <p:grpSp>
-          <p:nvGrpSpPr>
-            <p:cNvPr id="13" name="Group 12">
-              <a:extLst>
-                <a:ext uri="{FF2B5EF4-FFF2-40B4-BE49-F238E27FC236}">
-                  <a16:creationId xmlns:a16="http://schemas.microsoft.com/office/drawing/2014/main" id="{25763CD1-BA77-0404-A56E-9A05A4CEA3D2}"/>
-                </a:ext>
-              </a:extLst>
-            </p:cNvPr>
-            <p:cNvGrpSpPr/>
-            <p:nvPr/>
-          </p:nvGrpSpPr>
-          <p:grpSpPr>
-            <a:xfrm>
-              <a:off x="1649845" y="3478898"/>
-              <a:ext cx="99432" cy="99432"/>
-              <a:chOff x="2476073" y="687318"/>
-              <a:chExt cx="425450" cy="425450"/>
-            </a:xfrm>
-          </p:grpSpPr>
-          <p:sp>
-            <p:nvSpPr>
-              <p:cNvPr id="14" name="Oval 13">
-                <a:extLst>
-                  <a:ext uri="{FF2B5EF4-FFF2-40B4-BE49-F238E27FC236}">
-                    <a16:creationId xmlns:a16="http://schemas.microsoft.com/office/drawing/2014/main" id="{838E00D8-349C-DB3E-2708-4AB744138C45}"/>
-                  </a:ext>
-                </a:extLst>
-              </p:cNvPr>
-              <p:cNvSpPr/>
-              <p:nvPr/>
-            </p:nvSpPr>
-            <p:spPr>
-              <a:xfrm>
-                <a:off x="2476073" y="687318"/>
-                <a:ext cx="425450" cy="425450"/>
-              </a:xfrm>
-              <a:prstGeom prst="ellipse">
-                <a:avLst/>
-              </a:prstGeom>
-              <a:solidFill>
-                <a:srgbClr val="7030A0"/>
-              </a:solidFill>
-              <a:ln>
-                <a:noFill/>
-              </a:ln>
-            </p:spPr>
-            <p:style>
-              <a:lnRef idx="2">
-                <a:schemeClr val="accent1">
-                  <a:shade val="15000"/>
-                </a:schemeClr>
-              </a:lnRef>
-              <a:fillRef idx="1">
-                <a:schemeClr val="accent1"/>
-              </a:fillRef>
-              <a:effectRef idx="0">
-                <a:schemeClr val="accent1"/>
-              </a:effectRef>
-              <a:fontRef idx="minor">
-                <a:schemeClr val="lt1"/>
-              </a:fontRef>
-            </p:style>
-            <p:txBody>
-              <a:bodyPr rtlCol="0" anchor="ctr"/>
-              <a:lstStyle/>
-              <a:p>
-                <a:pPr algn="ctr"/>
-                <a:endParaRPr lang="en-US"/>
-              </a:p>
-            </p:txBody>
-          </p:sp>
-          <p:sp>
-            <p:nvSpPr>
-              <p:cNvPr id="15" name="Oval 14">
-                <a:extLst>
-                  <a:ext uri="{FF2B5EF4-FFF2-40B4-BE49-F238E27FC236}">
-                    <a16:creationId xmlns:a16="http://schemas.microsoft.com/office/drawing/2014/main" id="{0551B69F-6869-1F62-62DF-F49F5CF9FD57}"/>
-                  </a:ext>
-                </a:extLst>
-              </p:cNvPr>
-              <p:cNvSpPr/>
-              <p:nvPr/>
-            </p:nvSpPr>
-            <p:spPr>
-              <a:xfrm>
-                <a:off x="2476073" y="687318"/>
-                <a:ext cx="425450" cy="425450"/>
-              </a:xfrm>
-              <a:prstGeom prst="ellipse">
-                <a:avLst/>
-              </a:prstGeom>
-              <a:noFill/>
-              <a:ln w="76200">
-                <a:solidFill>
-                  <a:srgbClr val="000000">
-                    <a:alpha val="14118"/>
-                  </a:srgbClr>
-                </a:solidFill>
-              </a:ln>
-            </p:spPr>
-            <p:style>
-              <a:lnRef idx="2">
-                <a:schemeClr val="accent1">
-                  <a:shade val="15000"/>
-                </a:schemeClr>
-              </a:lnRef>
-              <a:fillRef idx="1">
-                <a:schemeClr val="accent1"/>
-              </a:fillRef>
-              <a:effectRef idx="0">
-                <a:schemeClr val="accent1"/>
-              </a:effectRef>
-              <a:fontRef idx="minor">
-                <a:schemeClr val="lt1"/>
-              </a:fontRef>
-            </p:style>
-            <p:txBody>
-              <a:bodyPr rtlCol="0" anchor="ctr"/>
-              <a:lstStyle/>
-              <a:p>
-                <a:pPr algn="ctr"/>
-                <a:endParaRPr lang="en-US"/>
-              </a:p>
-            </p:txBody>
-          </p:sp>
-        </p:grpSp>
-      </p:grpSp>
-    </p:spTree>
-    <p:extLst>
-      <p:ext uri="{BB962C8B-B14F-4D97-AF65-F5344CB8AC3E}">
-        <p14:creationId xmlns:p14="http://schemas.microsoft.com/office/powerpoint/2010/main" val="2494555657"/>
-      </p:ext>
-    </p:extLst>
-  </p:cSld>
-  <p:clrMapOvr>
-    <a:masterClrMapping/>
-  </p:clrMapOvr>
-</p:sld>
-</file>
-
-<file path=ppt/slides/slide2.xml><?xml version="1.0" encoding="utf-8"?>
-<p:sld xmlns:a="http://schemas.openxmlformats.org/drawingml/2006/main" xmlns:r="http://schemas.openxmlformats.org/officeDocument/2006/relationships" xmlns:p="http://schemas.openxmlformats.org/presentationml/2006/main">
-  <p:cSld>
-    <p:spTree>
-      <p:nvGrpSpPr>
-        <p:cNvPr id="1" name=""/>
-        <p:cNvGrpSpPr/>
-        <p:nvPr/>
-      </p:nvGrpSpPr>
-      <p:grpSpPr>
-        <a:xfrm>
-          <a:off x="0" y="0"/>
-          <a:ext cx="0" cy="0"/>
-          <a:chOff x="0" y="0"/>
-          <a:chExt cx="0" cy="0"/>
-        </a:xfrm>
-      </p:grpSpPr>
-      <p:grpSp>
-        <p:nvGrpSpPr>
-          <p:cNvPr id="2" name="Group 1">
-            <a:extLst>
-              <a:ext uri="{FF2B5EF4-FFF2-40B4-BE49-F238E27FC236}">
-                <a16:creationId xmlns:a16="http://schemas.microsoft.com/office/drawing/2014/main" id="{4920BAF6-528F-003B-7103-75A34702C891}"/>
-              </a:ext>
-            </a:extLst>
-          </p:cNvPr>
-          <p:cNvGrpSpPr/>
-          <p:nvPr/>
-        </p:nvGrpSpPr>
-        <p:grpSpPr>
-          <a:xfrm>
-            <a:off x="4719599" y="2011030"/>
-            <a:ext cx="1678360" cy="1635598"/>
-            <a:chOff x="4719599" y="2011030"/>
-            <a:chExt cx="1678360" cy="1635598"/>
-          </a:xfrm>
-        </p:grpSpPr>
-        <p:pic>
-          <p:nvPicPr>
-            <p:cNvPr id="5" name="Graphic 4">
-              <a:extLst>
-                <a:ext uri="{FF2B5EF4-FFF2-40B4-BE49-F238E27FC236}">
-                  <a16:creationId xmlns:a16="http://schemas.microsoft.com/office/drawing/2014/main" id="{A63C997D-DB04-C701-369B-5848A68D5726}"/>
-                </a:ext>
-              </a:extLst>
-            </p:cNvPr>
-            <p:cNvPicPr>
-              <a:picLocks noChangeAspect="1"/>
-            </p:cNvPicPr>
-            <p:nvPr/>
-          </p:nvPicPr>
-          <p:blipFill rotWithShape="1">
-            <a:blip r:embed="rId2">
-              <a:extLst>
-                <a:ext uri="{28A0092B-C50C-407E-A947-70E740481C1C}">
-                  <a14:useLocalDpi xmlns:a14="http://schemas.microsoft.com/office/drawing/2010/main" val="0"/>
-                </a:ext>
-                <a:ext uri="{96DAC541-7B7A-43D3-8B79-37D633B846F1}">
-                  <asvg:svgBlip xmlns:asvg="http://schemas.microsoft.com/office/drawing/2016/SVG/main" r:embed="rId3"/>
-                </a:ext>
-              </a:extLst>
-            </a:blip>
-            <a:srcRect l="75469" t="24034" b="32938"/>
-            <a:stretch/>
-          </p:blipFill>
-          <p:spPr>
-            <a:xfrm>
-              <a:off x="4719599" y="2011030"/>
-              <a:ext cx="1678359" cy="1635598"/>
-            </a:xfrm>
-            <a:prstGeom prst="rect">
-              <a:avLst/>
-            </a:prstGeom>
-          </p:spPr>
-        </p:pic>
-        <p:sp>
-          <p:nvSpPr>
-            <p:cNvPr id="6" name="Rectangle: Rounded Corners 5">
-              <a:extLst>
-                <a:ext uri="{FF2B5EF4-FFF2-40B4-BE49-F238E27FC236}">
-                  <a16:creationId xmlns:a16="http://schemas.microsoft.com/office/drawing/2014/main" id="{2055798A-F239-FA85-09B8-5979B4296398}"/>
-                </a:ext>
-              </a:extLst>
-            </p:cNvPr>
-            <p:cNvSpPr/>
-            <p:nvPr/>
-          </p:nvSpPr>
-          <p:spPr>
-            <a:xfrm>
-              <a:off x="4719599" y="2011030"/>
-              <a:ext cx="1678360" cy="1635598"/>
-            </a:xfrm>
-            <a:prstGeom prst="roundRect">
-              <a:avLst>
-                <a:gd name="adj" fmla="val 0"/>
-              </a:avLst>
-            </a:prstGeom>
-            <a:solidFill>
-              <a:srgbClr val="FFFFFF">
-                <a:alpha val="74902"/>
-              </a:srgbClr>
-            </a:solidFill>
-            <a:ln>
-              <a:noFill/>
-            </a:ln>
-            <a:effectLst/>
-          </p:spPr>
-          <p:style>
-            <a:lnRef idx="2">
-              <a:schemeClr val="accent1">
-                <a:shade val="15000"/>
-              </a:schemeClr>
-            </a:lnRef>
-            <a:fillRef idx="1">
-              <a:schemeClr val="accent1"/>
-            </a:fillRef>
-            <a:effectRef idx="0">
-              <a:schemeClr val="accent1"/>
-            </a:effectRef>
-            <a:fontRef idx="minor">
-              <a:schemeClr val="lt1"/>
-            </a:fontRef>
-          </p:style>
-          <p:txBody>
-            <a:bodyPr rtlCol="0" anchor="ctr"/>
-            <a:lstStyle/>
-            <a:p>
-              <a:pPr algn="ctr"/>
-              <a:endParaRPr lang="en-US" dirty="0"/>
-            </a:p>
-          </p:txBody>
-        </p:sp>
-        <p:grpSp>
-          <p:nvGrpSpPr>
-            <p:cNvPr id="34" name="Group 33">
-              <a:extLst>
-                <a:ext uri="{FF2B5EF4-FFF2-40B4-BE49-F238E27FC236}">
-                  <a16:creationId xmlns:a16="http://schemas.microsoft.com/office/drawing/2014/main" id="{B36303B1-7750-9E83-41DE-4BF796CAE1A3}"/>
-                </a:ext>
-              </a:extLst>
-            </p:cNvPr>
-            <p:cNvGrpSpPr/>
-            <p:nvPr/>
-          </p:nvGrpSpPr>
-          <p:grpSpPr>
-            <a:xfrm>
-              <a:off x="4930406" y="2287129"/>
-              <a:ext cx="1256744" cy="1083400"/>
-              <a:chOff x="1140531" y="2909006"/>
-              <a:chExt cx="1256744" cy="1083400"/>
-            </a:xfrm>
-            <a:effectLst>
-              <a:outerShdw blurRad="50800" dist="38100" dir="2700000" algn="tl" rotWithShape="0">
-                <a:prstClr val="black">
-                  <a:alpha val="40000"/>
-                </a:prstClr>
-              </a:outerShdw>
-            </a:effectLst>
-          </p:grpSpPr>
-          <p:sp>
-            <p:nvSpPr>
-              <p:cNvPr id="29" name="Isosceles Triangle 28">
-                <a:extLst>
-                  <a:ext uri="{FF2B5EF4-FFF2-40B4-BE49-F238E27FC236}">
-                    <a16:creationId xmlns:a16="http://schemas.microsoft.com/office/drawing/2014/main" id="{5A5B7847-3BAF-A64A-F1A1-0DD901FE239E}"/>
-                  </a:ext>
-                </a:extLst>
-              </p:cNvPr>
-              <p:cNvSpPr/>
-              <p:nvPr/>
-            </p:nvSpPr>
-            <p:spPr>
-              <a:xfrm>
-                <a:off x="1146901" y="2909006"/>
-                <a:ext cx="1206383" cy="1039985"/>
-              </a:xfrm>
-              <a:prstGeom prst="triangle">
-                <a:avLst/>
-              </a:prstGeom>
-              <a:solidFill>
-                <a:schemeClr val="bg1">
-                  <a:lumMod val="95000"/>
-                </a:schemeClr>
-              </a:solidFill>
-              <a:ln w="76200" cap="rnd">
-                <a:noFill/>
-                <a:round/>
-              </a:ln>
-              <a:effectLst>
-                <a:glow rad="25400">
-                  <a:schemeClr val="tx1">
-                    <a:alpha val="25000"/>
-                  </a:schemeClr>
-                </a:glow>
-              </a:effectLst>
-            </p:spPr>
-            <p:style>
-              <a:lnRef idx="2">
-                <a:schemeClr val="accent1">
-                  <a:shade val="15000"/>
-                </a:schemeClr>
-              </a:lnRef>
-              <a:fillRef idx="1">
-                <a:schemeClr val="accent1"/>
-              </a:fillRef>
-              <a:effectRef idx="0">
-                <a:schemeClr val="accent1"/>
-              </a:effectRef>
-              <a:fontRef idx="minor">
-                <a:schemeClr val="lt1"/>
-              </a:fontRef>
-            </p:style>
-            <p:txBody>
-              <a:bodyPr rtlCol="0" anchor="ctr"/>
-              <a:lstStyle/>
-              <a:p>
-                <a:pPr algn="ctr"/>
-                <a:endParaRPr lang="en-US"/>
-              </a:p>
-            </p:txBody>
-          </p:sp>
-          <p:pic>
-            <p:nvPicPr>
-              <p:cNvPr id="28" name="Graphic 27">
-                <a:extLst>
-                  <a:ext uri="{FF2B5EF4-FFF2-40B4-BE49-F238E27FC236}">
-                    <a16:creationId xmlns:a16="http://schemas.microsoft.com/office/drawing/2014/main" id="{673109F0-75DB-DCC9-BB8B-95E6DCF12AC2}"/>
-                  </a:ext>
-                </a:extLst>
-              </p:cNvPr>
-              <p:cNvPicPr>
-                <a:picLocks noChangeAspect="1"/>
-              </p:cNvPicPr>
-              <p:nvPr/>
-            </p:nvPicPr>
-            <p:blipFill>
-              <a:blip r:embed="rId4">
-                <a:extLst>
-                  <a:ext uri="{28A0092B-C50C-407E-A947-70E740481C1C}">
-                    <a14:useLocalDpi xmlns:a14="http://schemas.microsoft.com/office/drawing/2010/main" val="0"/>
-                  </a:ext>
-                  <a:ext uri="{96DAC541-7B7A-43D3-8B79-37D633B846F1}">
-                    <asvg:svgBlip xmlns:asvg="http://schemas.microsoft.com/office/drawing/2016/SVG/main" r:embed="rId5"/>
-                  </a:ext>
-                </a:extLst>
-              </a:blip>
-              <a:stretch>
-                <a:fillRect/>
-              </a:stretch>
-            </p:blipFill>
-            <p:spPr>
-              <a:xfrm>
-                <a:off x="1614123" y="3230195"/>
-                <a:ext cx="382504" cy="718796"/>
-              </a:xfrm>
-              <a:prstGeom prst="rect">
-                <a:avLst/>
-              </a:prstGeom>
-            </p:spPr>
-          </p:pic>
-          <p:sp>
-            <p:nvSpPr>
-              <p:cNvPr id="32" name="Graphic 29">
-                <a:extLst>
-                  <a:ext uri="{FF2B5EF4-FFF2-40B4-BE49-F238E27FC236}">
-                    <a16:creationId xmlns:a16="http://schemas.microsoft.com/office/drawing/2014/main" id="{51EBC972-B371-FB62-8671-962E2A39E79F}"/>
-                  </a:ext>
-                </a:extLst>
-              </p:cNvPr>
-              <p:cNvSpPr/>
-              <p:nvPr/>
-            </p:nvSpPr>
-            <p:spPr>
-              <a:xfrm>
-                <a:off x="1335959" y="3667610"/>
-                <a:ext cx="455349" cy="291824"/>
+                <a:off x="4468153" y="4754573"/>
+                <a:ext cx="116412" cy="181081"/>
               </a:xfrm>
               <a:custGeom>
                 <a:avLst/>
                 <a:gdLst>
-                  <a:gd name="connsiteX0" fmla="*/ 0 w 455348"/>
-                  <a:gd name="connsiteY0" fmla="*/ 713188 h 718327"/>
-                  <a:gd name="connsiteX1" fmla="*/ 452784 w 455348"/>
-                  <a:gd name="connsiteY1" fmla="*/ 718328 h 718327"/>
-                  <a:gd name="connsiteX2" fmla="*/ 455349 w 455348"/>
-                  <a:gd name="connsiteY2" fmla="*/ 0 h 718327"/>
-                  <a:gd name="connsiteX3" fmla="*/ 385252 w 455348"/>
-                  <a:gd name="connsiteY3" fmla="*/ 38756 h 718327"/>
-                  <a:gd name="connsiteX4" fmla="*/ 135264 w 455348"/>
-                  <a:gd name="connsiteY4" fmla="*/ 492998 h 718327"/>
-                  <a:gd name="connsiteX5" fmla="*/ 34026 w 455348"/>
-                  <a:gd name="connsiteY5" fmla="*/ 630535 h 718327"/>
-                  <a:gd name="connsiteX6" fmla="*/ 0 w 455348"/>
-                  <a:gd name="connsiteY6" fmla="*/ 713168 h 718327"/>
-                  <a:gd name="connsiteX7" fmla="*/ 0 w 455348"/>
-                  <a:gd name="connsiteY7" fmla="*/ 713168 h 718327"/>
-                  <a:gd name="connsiteX0" fmla="*/ 0 w 455349"/>
-                  <a:gd name="connsiteY0" fmla="*/ 713188 h 718328"/>
-                  <a:gd name="connsiteX1" fmla="*/ 452784 w 455349"/>
-                  <a:gd name="connsiteY1" fmla="*/ 718328 h 718328"/>
-                  <a:gd name="connsiteX2" fmla="*/ 455349 w 455349"/>
-                  <a:gd name="connsiteY2" fmla="*/ 0 h 718328"/>
-                  <a:gd name="connsiteX3" fmla="*/ 385252 w 455349"/>
-                  <a:gd name="connsiteY3" fmla="*/ 38756 h 718328"/>
-                  <a:gd name="connsiteX4" fmla="*/ 135264 w 455349"/>
-                  <a:gd name="connsiteY4" fmla="*/ 492998 h 718328"/>
-                  <a:gd name="connsiteX5" fmla="*/ 34026 w 455349"/>
-                  <a:gd name="connsiteY5" fmla="*/ 630535 h 718328"/>
-                  <a:gd name="connsiteX6" fmla="*/ 0 w 455349"/>
-                  <a:gd name="connsiteY6" fmla="*/ 713168 h 718328"/>
-                  <a:gd name="connsiteX7" fmla="*/ 0 w 455349"/>
-                  <a:gd name="connsiteY7" fmla="*/ 713168 h 718328"/>
-                  <a:gd name="connsiteX8" fmla="*/ 0 w 455349"/>
-                  <a:gd name="connsiteY8" fmla="*/ 713188 h 718328"/>
-                  <a:gd name="connsiteX0" fmla="*/ 0 w 455349"/>
-                  <a:gd name="connsiteY0" fmla="*/ 713188 h 718328"/>
-                  <a:gd name="connsiteX1" fmla="*/ 452784 w 455349"/>
-                  <a:gd name="connsiteY1" fmla="*/ 718328 h 718328"/>
-                  <a:gd name="connsiteX2" fmla="*/ 455349 w 455349"/>
-                  <a:gd name="connsiteY2" fmla="*/ 0 h 718328"/>
-                  <a:gd name="connsiteX3" fmla="*/ 385252 w 455349"/>
-                  <a:gd name="connsiteY3" fmla="*/ 38756 h 718328"/>
-                  <a:gd name="connsiteX4" fmla="*/ 135264 w 455349"/>
-                  <a:gd name="connsiteY4" fmla="*/ 492998 h 718328"/>
-                  <a:gd name="connsiteX5" fmla="*/ 116179 w 455349"/>
-                  <a:gd name="connsiteY5" fmla="*/ 622201 h 718328"/>
-                  <a:gd name="connsiteX6" fmla="*/ 0 w 455349"/>
-                  <a:gd name="connsiteY6" fmla="*/ 713168 h 718328"/>
-                  <a:gd name="connsiteX7" fmla="*/ 0 w 455349"/>
-                  <a:gd name="connsiteY7" fmla="*/ 713168 h 718328"/>
-                  <a:gd name="connsiteX8" fmla="*/ 0 w 455349"/>
-                  <a:gd name="connsiteY8" fmla="*/ 713188 h 718328"/>
-                  <a:gd name="connsiteX0" fmla="*/ 0 w 455349"/>
-                  <a:gd name="connsiteY0" fmla="*/ 713188 h 718328"/>
-                  <a:gd name="connsiteX1" fmla="*/ 452784 w 455349"/>
-                  <a:gd name="connsiteY1" fmla="*/ 718328 h 718328"/>
-                  <a:gd name="connsiteX2" fmla="*/ 455349 w 455349"/>
-                  <a:gd name="connsiteY2" fmla="*/ 0 h 718328"/>
-                  <a:gd name="connsiteX3" fmla="*/ 385252 w 455349"/>
-                  <a:gd name="connsiteY3" fmla="*/ 38756 h 718328"/>
-                  <a:gd name="connsiteX4" fmla="*/ 135264 w 455349"/>
-                  <a:gd name="connsiteY4" fmla="*/ 492998 h 718328"/>
-                  <a:gd name="connsiteX5" fmla="*/ 47123 w 455349"/>
-                  <a:gd name="connsiteY5" fmla="*/ 550778 h 718328"/>
-                  <a:gd name="connsiteX6" fmla="*/ 0 w 455349"/>
-                  <a:gd name="connsiteY6" fmla="*/ 713168 h 718328"/>
-                  <a:gd name="connsiteX7" fmla="*/ 0 w 455349"/>
-                  <a:gd name="connsiteY7" fmla="*/ 713168 h 718328"/>
-                  <a:gd name="connsiteX8" fmla="*/ 0 w 455349"/>
-                  <a:gd name="connsiteY8" fmla="*/ 713188 h 718328"/>
-                  <a:gd name="connsiteX0" fmla="*/ 0 w 455349"/>
-                  <a:gd name="connsiteY0" fmla="*/ 724266 h 729406"/>
-                  <a:gd name="connsiteX1" fmla="*/ 452784 w 455349"/>
-                  <a:gd name="connsiteY1" fmla="*/ 729406 h 729406"/>
-                  <a:gd name="connsiteX2" fmla="*/ 455349 w 455349"/>
-                  <a:gd name="connsiteY2" fmla="*/ 11078 h 729406"/>
-                  <a:gd name="connsiteX3" fmla="*/ 385252 w 455349"/>
-                  <a:gd name="connsiteY3" fmla="*/ 49834 h 729406"/>
-                  <a:gd name="connsiteX4" fmla="*/ 135264 w 455349"/>
-                  <a:gd name="connsiteY4" fmla="*/ 498125 h 729406"/>
-                  <a:gd name="connsiteX5" fmla="*/ 47123 w 455349"/>
-                  <a:gd name="connsiteY5" fmla="*/ 561856 h 729406"/>
-                  <a:gd name="connsiteX6" fmla="*/ 0 w 455349"/>
-                  <a:gd name="connsiteY6" fmla="*/ 724246 h 729406"/>
-                  <a:gd name="connsiteX7" fmla="*/ 0 w 455349"/>
-                  <a:gd name="connsiteY7" fmla="*/ 724246 h 729406"/>
-                  <a:gd name="connsiteX8" fmla="*/ 0 w 455349"/>
-                  <a:gd name="connsiteY8" fmla="*/ 724266 h 729406"/>
-                  <a:gd name="connsiteX0" fmla="*/ 0 w 455349"/>
-                  <a:gd name="connsiteY0" fmla="*/ 724266 h 729406"/>
-                  <a:gd name="connsiteX1" fmla="*/ 452784 w 455349"/>
-                  <a:gd name="connsiteY1" fmla="*/ 729406 h 729406"/>
-                  <a:gd name="connsiteX2" fmla="*/ 455349 w 455349"/>
-                  <a:gd name="connsiteY2" fmla="*/ 11078 h 729406"/>
-                  <a:gd name="connsiteX3" fmla="*/ 385252 w 455349"/>
-                  <a:gd name="connsiteY3" fmla="*/ 49834 h 729406"/>
-                  <a:gd name="connsiteX4" fmla="*/ 135264 w 455349"/>
-                  <a:gd name="connsiteY4" fmla="*/ 498125 h 729406"/>
-                  <a:gd name="connsiteX5" fmla="*/ 47123 w 455349"/>
-                  <a:gd name="connsiteY5" fmla="*/ 561856 h 729406"/>
-                  <a:gd name="connsiteX6" fmla="*/ 0 w 455349"/>
-                  <a:gd name="connsiteY6" fmla="*/ 724246 h 729406"/>
-                  <a:gd name="connsiteX7" fmla="*/ 0 w 455349"/>
-                  <a:gd name="connsiteY7" fmla="*/ 724246 h 729406"/>
-                  <a:gd name="connsiteX8" fmla="*/ 0 w 455349"/>
-                  <a:gd name="connsiteY8" fmla="*/ 724266 h 729406"/>
-                  <a:gd name="connsiteX0" fmla="*/ 0 w 455349"/>
-                  <a:gd name="connsiteY0" fmla="*/ 724266 h 729406"/>
-                  <a:gd name="connsiteX1" fmla="*/ 452784 w 455349"/>
-                  <a:gd name="connsiteY1" fmla="*/ 729406 h 729406"/>
-                  <a:gd name="connsiteX2" fmla="*/ 455349 w 455349"/>
-                  <a:gd name="connsiteY2" fmla="*/ 11078 h 729406"/>
-                  <a:gd name="connsiteX3" fmla="*/ 385252 w 455349"/>
-                  <a:gd name="connsiteY3" fmla="*/ 49834 h 729406"/>
-                  <a:gd name="connsiteX4" fmla="*/ 135264 w 455349"/>
-                  <a:gd name="connsiteY4" fmla="*/ 498125 h 729406"/>
-                  <a:gd name="connsiteX5" fmla="*/ 47123 w 455349"/>
-                  <a:gd name="connsiteY5" fmla="*/ 561856 h 729406"/>
-                  <a:gd name="connsiteX6" fmla="*/ 0 w 455349"/>
-                  <a:gd name="connsiteY6" fmla="*/ 724246 h 729406"/>
-                  <a:gd name="connsiteX7" fmla="*/ 0 w 455349"/>
-                  <a:gd name="connsiteY7" fmla="*/ 724246 h 729406"/>
-                  <a:gd name="connsiteX8" fmla="*/ 0 w 455349"/>
-                  <a:gd name="connsiteY8" fmla="*/ 724266 h 729406"/>
-                  <a:gd name="connsiteX0" fmla="*/ 0 w 455349"/>
-                  <a:gd name="connsiteY0" fmla="*/ 724266 h 729406"/>
-                  <a:gd name="connsiteX1" fmla="*/ 452784 w 455349"/>
-                  <a:gd name="connsiteY1" fmla="*/ 729406 h 729406"/>
-                  <a:gd name="connsiteX2" fmla="*/ 455349 w 455349"/>
-                  <a:gd name="connsiteY2" fmla="*/ 11078 h 729406"/>
-                  <a:gd name="connsiteX3" fmla="*/ 385252 w 455349"/>
-                  <a:gd name="connsiteY3" fmla="*/ 49834 h 729406"/>
-                  <a:gd name="connsiteX4" fmla="*/ 135264 w 455349"/>
-                  <a:gd name="connsiteY4" fmla="*/ 498125 h 729406"/>
-                  <a:gd name="connsiteX5" fmla="*/ 67364 w 455349"/>
-                  <a:gd name="connsiteY5" fmla="*/ 594592 h 729406"/>
-                  <a:gd name="connsiteX6" fmla="*/ 0 w 455349"/>
-                  <a:gd name="connsiteY6" fmla="*/ 724246 h 729406"/>
-                  <a:gd name="connsiteX7" fmla="*/ 0 w 455349"/>
-                  <a:gd name="connsiteY7" fmla="*/ 724246 h 729406"/>
-                  <a:gd name="connsiteX8" fmla="*/ 0 w 455349"/>
-                  <a:gd name="connsiteY8" fmla="*/ 724266 h 729406"/>
+                  <a:gd name="connsiteX0" fmla="*/ 84502 w 116412"/>
+                  <a:gd name="connsiteY0" fmla="*/ 2445 h 181081"/>
+                  <a:gd name="connsiteX1" fmla="*/ 116219 w 116412"/>
+                  <a:gd name="connsiteY1" fmla="*/ 43299 h 181081"/>
+                  <a:gd name="connsiteX2" fmla="*/ 116219 w 116412"/>
+                  <a:gd name="connsiteY2" fmla="*/ 109130 h 181081"/>
+                  <a:gd name="connsiteX3" fmla="*/ 116219 w 116412"/>
+                  <a:gd name="connsiteY3" fmla="*/ 156781 h 181081"/>
+                  <a:gd name="connsiteX4" fmla="*/ 89445 w 116412"/>
+                  <a:gd name="connsiteY4" fmla="*/ 176066 h 181081"/>
+                  <a:gd name="connsiteX5" fmla="*/ 210 w 116412"/>
+                  <a:gd name="connsiteY5" fmla="*/ 119335 h 181081"/>
+                  <a:gd name="connsiteX6" fmla="*/ 34923 w 116412"/>
+                  <a:gd name="connsiteY6" fmla="*/ 14915 h 181081"/>
+                  <a:gd name="connsiteX7" fmla="*/ 84502 w 116412"/>
+                  <a:gd name="connsiteY7" fmla="*/ 2445 h 181081"/>
+                  <a:gd name="connsiteX8" fmla="*/ 84502 w 116412"/>
+                  <a:gd name="connsiteY8" fmla="*/ 2445 h 181081"/>
                 </a:gdLst>
                 <a:ahLst/>
                 <a:cxnLst>
@@ -4805,53 +3637,52 @@
                 </a:cxnLst>
                 <a:rect l="l" t="t" r="r" b="b"/>
                 <a:pathLst>
-                  <a:path w="455349" h="729406">
+                  <a:path w="116412" h="181081">
                     <a:moveTo>
-                      <a:pt x="0" y="724266"/>
+                      <a:pt x="84502" y="2445"/>
                     </a:moveTo>
                     <a:cubicBezTo>
-                      <a:pt x="172359" y="730741"/>
-                      <a:pt x="301856" y="727693"/>
-                      <a:pt x="452784" y="729406"/>
+                      <a:pt x="96391" y="-8902"/>
+                      <a:pt x="116219" y="21730"/>
+                      <a:pt x="116219" y="43299"/>
                     </a:cubicBezTo>
                     <a:lnTo>
-                      <a:pt x="455349" y="11078"/>
+                      <a:pt x="116219" y="109130"/>
                     </a:lnTo>
                     <a:cubicBezTo>
-                      <a:pt x="455349" y="11078"/>
-                      <a:pt x="438599" y="-31340"/>
-                      <a:pt x="385252" y="49834"/>
+                      <a:pt x="116219" y="125008"/>
+                      <a:pt x="115227" y="137496"/>
+                      <a:pt x="116219" y="156781"/>
                     </a:cubicBezTo>
                     <a:cubicBezTo>
-                      <a:pt x="331905" y="131008"/>
-                      <a:pt x="349632" y="436565"/>
-                      <a:pt x="135264" y="498125"/>
+                      <a:pt x="117212" y="176066"/>
+                      <a:pt x="115227" y="188555"/>
+                      <a:pt x="89445" y="176066"/>
                     </a:cubicBezTo>
                     <a:cubicBezTo>
-                      <a:pt x="73756" y="547304"/>
-                      <a:pt x="67364" y="594592"/>
-                      <a:pt x="67364" y="594592"/>
+                      <a:pt x="63663" y="163597"/>
+                      <a:pt x="2175" y="149966"/>
+                      <a:pt x="210" y="119335"/>
                     </a:cubicBezTo>
                     <a:cubicBezTo>
-                      <a:pt x="67364" y="594592"/>
-                      <a:pt x="2708" y="662744"/>
-                      <a:pt x="0" y="724246"/>
+                      <a:pt x="-1756" y="88703"/>
+                      <a:pt x="10133" y="28545"/>
+                      <a:pt x="34923" y="14915"/>
+                    </a:cubicBezTo>
+                    <a:cubicBezTo>
+                      <a:pt x="51680" y="11694"/>
+                      <a:pt x="68231" y="7519"/>
+                      <a:pt x="84502" y="2445"/>
                     </a:cubicBezTo>
                     <a:lnTo>
-                      <a:pt x="0" y="724246"/>
-                    </a:lnTo>
-                    <a:lnTo>
-                      <a:pt x="0" y="724266"/>
+                      <a:pt x="84502" y="2445"/>
                     </a:lnTo>
                     <a:close/>
                   </a:path>
                 </a:pathLst>
               </a:custGeom>
               <a:solidFill>
-                <a:schemeClr val="tx1">
-                  <a:lumMod val="50000"/>
-                  <a:lumOff val="50000"/>
-                </a:schemeClr>
+                <a:srgbClr val="CB3C33"/>
               </a:solidFill>
               <a:ln w="0" cap="flat">
                 <a:noFill/>
@@ -4867,51 +3698,12 @@
               </a:p>
             </p:txBody>
           </p:sp>
-          <p:pic>
-            <p:nvPicPr>
-              <p:cNvPr id="33" name="Graphic 32">
+          <p:sp>
+            <p:nvSpPr>
+              <p:cNvPr id="87" name="Freeform: Shape 86">
                 <a:extLst>
                   <a:ext uri="{FF2B5EF4-FFF2-40B4-BE49-F238E27FC236}">
-                    <a16:creationId xmlns:a16="http://schemas.microsoft.com/office/drawing/2014/main" id="{F26C4E9B-A2E5-7F4A-CF5F-201F7B1A4C06}"/>
-                  </a:ext>
-                </a:extLst>
-              </p:cNvPr>
-              <p:cNvPicPr>
-                <a:picLocks noChangeAspect="1"/>
-              </p:cNvPicPr>
-              <p:nvPr/>
-            </p:nvPicPr>
-            <p:blipFill>
-              <a:blip r:embed="rId4">
-                <a:extLst>
-                  <a:ext uri="{28A0092B-C50C-407E-A947-70E740481C1C}">
-                    <a14:useLocalDpi xmlns:a14="http://schemas.microsoft.com/office/drawing/2010/main" val="0"/>
-                  </a:ext>
-                  <a:ext uri="{96DAC541-7B7A-43D3-8B79-37D633B846F1}">
-                    <asvg:svgBlip xmlns:asvg="http://schemas.microsoft.com/office/drawing/2016/SVG/main" r:embed="rId5"/>
-                  </a:ext>
-                </a:extLst>
-              </a:blip>
-              <a:stretch>
-                <a:fillRect/>
-              </a:stretch>
-            </p:blipFill>
-            <p:spPr>
-              <a:xfrm flipH="1">
-                <a:off x="1923116" y="3240638"/>
-                <a:ext cx="455348" cy="718796"/>
-              </a:xfrm>
-              <a:prstGeom prst="rect">
-                <a:avLst/>
-              </a:prstGeom>
-            </p:spPr>
-          </p:pic>
-          <p:sp>
-            <p:nvSpPr>
-              <p:cNvPr id="24" name="Isosceles Triangle 23">
-                <a:extLst>
-                  <a:ext uri="{FF2B5EF4-FFF2-40B4-BE49-F238E27FC236}">
-                    <a16:creationId xmlns:a16="http://schemas.microsoft.com/office/drawing/2014/main" id="{5FB95CCC-A39A-B127-9175-CDD182C1C741}"/>
+                    <a16:creationId xmlns:a16="http://schemas.microsoft.com/office/drawing/2014/main" id="{C48B5C2C-5E8F-A29E-72A8-8ABFEC5C9841}"/>
                   </a:ext>
                 </a:extLst>
               </p:cNvPr>
@@ -4920,435 +3712,370 @@
             </p:nvSpPr>
             <p:spPr>
               <a:xfrm>
-                <a:off x="1140531" y="2909006"/>
-                <a:ext cx="1256744" cy="1083400"/>
+                <a:off x="4308138" y="4511891"/>
+                <a:ext cx="135434" cy="247410"/>
               </a:xfrm>
-              <a:prstGeom prst="triangle">
+              <a:custGeom>
                 <a:avLst/>
-              </a:prstGeom>
-              <a:noFill/>
-              <a:ln w="104775" cap="rnd">
-                <a:solidFill>
-                  <a:srgbClr val="CE3B33"/>
-                </a:solidFill>
-                <a:round/>
+                <a:gdLst>
+                  <a:gd name="connsiteX0" fmla="*/ 55112 w 135434"/>
+                  <a:gd name="connsiteY0" fmla="*/ 0 h 247410"/>
+                  <a:gd name="connsiteX1" fmla="*/ 135435 w 135434"/>
+                  <a:gd name="connsiteY1" fmla="*/ 88524 h 247410"/>
+                  <a:gd name="connsiteX2" fmla="*/ 11468 w 135434"/>
+                  <a:gd name="connsiteY2" fmla="*/ 247410 h 247410"/>
+                  <a:gd name="connsiteX3" fmla="*/ 4540 w 135434"/>
+                  <a:gd name="connsiteY3" fmla="*/ 118051 h 247410"/>
+                  <a:gd name="connsiteX4" fmla="*/ 55112 w 135434"/>
+                  <a:gd name="connsiteY4" fmla="*/ 19 h 247410"/>
+                  <a:gd name="connsiteX5" fmla="*/ 55112 w 135434"/>
+                  <a:gd name="connsiteY5" fmla="*/ 19 h 247410"/>
+                </a:gdLst>
+                <a:ahLst/>
+                <a:cxnLst>
+                  <a:cxn ang="0">
+                    <a:pos x="connsiteX0" y="connsiteY0"/>
+                  </a:cxn>
+                  <a:cxn ang="0">
+                    <a:pos x="connsiteX1" y="connsiteY1"/>
+                  </a:cxn>
+                  <a:cxn ang="0">
+                    <a:pos x="connsiteX2" y="connsiteY2"/>
+                  </a:cxn>
+                  <a:cxn ang="0">
+                    <a:pos x="connsiteX3" y="connsiteY3"/>
+                  </a:cxn>
+                  <a:cxn ang="0">
+                    <a:pos x="connsiteX4" y="connsiteY4"/>
+                  </a:cxn>
+                  <a:cxn ang="0">
+                    <a:pos x="connsiteX5" y="connsiteY5"/>
+                  </a:cxn>
+                </a:cxnLst>
+                <a:rect l="l" t="t" r="r" b="b"/>
+                <a:pathLst>
+                  <a:path w="135434" h="247410">
+                    <a:moveTo>
+                      <a:pt x="55112" y="0"/>
+                    </a:moveTo>
+                    <a:cubicBezTo>
+                      <a:pt x="75932" y="1142"/>
+                      <a:pt x="135435" y="60139"/>
+                      <a:pt x="135435" y="88524"/>
+                    </a:cubicBezTo>
+                    <a:cubicBezTo>
+                      <a:pt x="104972" y="151397"/>
+                      <a:pt x="62620" y="205676"/>
+                      <a:pt x="11468" y="247410"/>
+                    </a:cubicBezTo>
+                    <a:cubicBezTo>
+                      <a:pt x="-9353" y="247410"/>
+                      <a:pt x="4540" y="144132"/>
+                      <a:pt x="4540" y="118051"/>
+                    </a:cubicBezTo>
+                    <a:cubicBezTo>
+                      <a:pt x="6525" y="90808"/>
+                      <a:pt x="34291" y="-1105"/>
+                      <a:pt x="55112" y="19"/>
+                    </a:cubicBezTo>
+                    <a:lnTo>
+                      <a:pt x="55112" y="19"/>
+                    </a:lnTo>
+                    <a:close/>
+                  </a:path>
+                </a:pathLst>
+              </a:custGeom>
+              <a:solidFill>
+                <a:srgbClr val="389826"/>
+              </a:solidFill>
+              <a:ln w="0" cap="flat">
+                <a:noFill/>
+                <a:prstDash val="solid"/>
+                <a:miter/>
               </a:ln>
-              <a:effectLst>
-                <a:glow rad="25400">
-                  <a:schemeClr val="tx1">
-                    <a:alpha val="25000"/>
-                  </a:schemeClr>
-                </a:glow>
-              </a:effectLst>
             </p:spPr>
-            <p:style>
-              <a:lnRef idx="2">
-                <a:schemeClr val="accent1">
-                  <a:shade val="15000"/>
-                </a:schemeClr>
-              </a:lnRef>
-              <a:fillRef idx="1">
-                <a:schemeClr val="accent1"/>
-              </a:fillRef>
-              <a:effectRef idx="0">
-                <a:schemeClr val="accent1"/>
-              </a:effectRef>
-              <a:fontRef idx="minor">
-                <a:schemeClr val="lt1"/>
-              </a:fontRef>
-            </p:style>
             <p:txBody>
               <a:bodyPr rtlCol="0" anchor="ctr"/>
               <a:lstStyle/>
               <a:p>
-                <a:pPr algn="ctr"/>
                 <a:endParaRPr lang="en-US"/>
               </a:p>
             </p:txBody>
           </p:sp>
-          <p:grpSp>
-            <p:nvGrpSpPr>
-              <p:cNvPr id="9" name="Group 8">
+          <p:sp>
+            <p:nvSpPr>
+              <p:cNvPr id="88" name="Freeform: Shape 87">
                 <a:extLst>
                   <a:ext uri="{FF2B5EF4-FFF2-40B4-BE49-F238E27FC236}">
-                    <a16:creationId xmlns:a16="http://schemas.microsoft.com/office/drawing/2014/main" id="{24A56EA4-F43A-ED58-D814-B035E1E8D164}"/>
+                    <a16:creationId xmlns:a16="http://schemas.microsoft.com/office/drawing/2014/main" id="{79B310EF-2F69-79ED-D57B-83CBA05C5F21}"/>
                   </a:ext>
                 </a:extLst>
               </p:cNvPr>
-              <p:cNvGrpSpPr/>
+              <p:cNvSpPr/>
               <p:nvPr/>
-            </p:nvGrpSpPr>
-            <p:grpSpPr>
+            </p:nvSpPr>
+            <p:spPr>
               <a:xfrm>
-                <a:off x="1691876" y="3281995"/>
-                <a:ext cx="99432" cy="99432"/>
-                <a:chOff x="2284413" y="541338"/>
-                <a:chExt cx="425450" cy="425450"/>
+                <a:off x="4180149" y="4307321"/>
+                <a:ext cx="177146" cy="203929"/>
               </a:xfrm>
-            </p:grpSpPr>
-            <p:sp>
-              <p:nvSpPr>
-                <p:cNvPr id="7" name="Oval 6">
-                  <a:extLst>
-                    <a:ext uri="{FF2B5EF4-FFF2-40B4-BE49-F238E27FC236}">
-                      <a16:creationId xmlns:a16="http://schemas.microsoft.com/office/drawing/2014/main" id="{FC68899C-ADCD-C94E-1149-813AE4AEEA1F}"/>
-                    </a:ext>
-                  </a:extLst>
-                </p:cNvPr>
-                <p:cNvSpPr/>
-                <p:nvPr/>
-              </p:nvSpPr>
-              <p:spPr>
-                <a:xfrm>
-                  <a:off x="2284413" y="541338"/>
-                  <a:ext cx="425450" cy="425450"/>
-                </a:xfrm>
-                <a:prstGeom prst="ellipse">
-                  <a:avLst/>
-                </a:prstGeom>
-                <a:ln>
-                  <a:noFill/>
-                </a:ln>
-              </p:spPr>
-              <p:style>
-                <a:lnRef idx="2">
-                  <a:schemeClr val="accent1">
-                    <a:shade val="15000"/>
-                  </a:schemeClr>
-                </a:lnRef>
-                <a:fillRef idx="1">
-                  <a:schemeClr val="accent1"/>
-                </a:fillRef>
-                <a:effectRef idx="0">
-                  <a:schemeClr val="accent1"/>
-                </a:effectRef>
-                <a:fontRef idx="minor">
-                  <a:schemeClr val="lt1"/>
-                </a:fontRef>
-              </p:style>
-              <p:txBody>
-                <a:bodyPr rtlCol="0" anchor="ctr"/>
-                <a:lstStyle/>
-                <a:p>
-                  <a:pPr algn="ctr"/>
-                  <a:endParaRPr lang="en-US"/>
-                </a:p>
-              </p:txBody>
-            </p:sp>
-            <p:sp>
-              <p:nvSpPr>
-                <p:cNvPr id="8" name="Oval 7">
-                  <a:extLst>
-                    <a:ext uri="{FF2B5EF4-FFF2-40B4-BE49-F238E27FC236}">
-                      <a16:creationId xmlns:a16="http://schemas.microsoft.com/office/drawing/2014/main" id="{408A0151-2363-AA59-42F3-F140A4824948}"/>
-                    </a:ext>
-                  </a:extLst>
-                </p:cNvPr>
-                <p:cNvSpPr/>
-                <p:nvPr/>
-              </p:nvSpPr>
-              <p:spPr>
-                <a:xfrm>
-                  <a:off x="2284413" y="541338"/>
-                  <a:ext cx="425450" cy="425450"/>
-                </a:xfrm>
-                <a:prstGeom prst="ellipse">
-                  <a:avLst/>
-                </a:prstGeom>
+              <a:custGeom>
+                <a:avLst/>
+                <a:gdLst>
+                  <a:gd name="connsiteX0" fmla="*/ 15508 w 177146"/>
+                  <a:gd name="connsiteY0" fmla="*/ 36622 h 203929"/>
+                  <a:gd name="connsiteX1" fmla="*/ 102778 w 177146"/>
+                  <a:gd name="connsiteY1" fmla="*/ 3707 h 203929"/>
+                  <a:gd name="connsiteX2" fmla="*/ 177147 w 177146"/>
+                  <a:gd name="connsiteY2" fmla="*/ 117189 h 203929"/>
+                  <a:gd name="connsiteX3" fmla="*/ 104762 w 177146"/>
+                  <a:gd name="connsiteY3" fmla="*/ 195490 h 203929"/>
+                  <a:gd name="connsiteX4" fmla="*/ 67072 w 177146"/>
+                  <a:gd name="connsiteY4" fmla="*/ 195490 h 203929"/>
+                  <a:gd name="connsiteX5" fmla="*/ 5585 w 177146"/>
+                  <a:gd name="connsiteY5" fmla="*/ 82008 h 203929"/>
+                  <a:gd name="connsiteX6" fmla="*/ 773 w 177146"/>
+                  <a:gd name="connsiteY6" fmla="*/ 56525 h 203929"/>
+                  <a:gd name="connsiteX7" fmla="*/ 15489 w 177146"/>
+                  <a:gd name="connsiteY7" fmla="*/ 36622 h 203929"/>
+                  <a:gd name="connsiteX8" fmla="*/ 15489 w 177146"/>
+                  <a:gd name="connsiteY8" fmla="*/ 36622 h 203929"/>
+                </a:gdLst>
+                <a:ahLst/>
+                <a:cxnLst>
+                  <a:cxn ang="0">
+                    <a:pos x="connsiteX0" y="connsiteY0"/>
+                  </a:cxn>
+                  <a:cxn ang="0">
+                    <a:pos x="connsiteX1" y="connsiteY1"/>
+                  </a:cxn>
+                  <a:cxn ang="0">
+                    <a:pos x="connsiteX2" y="connsiteY2"/>
+                  </a:cxn>
+                  <a:cxn ang="0">
+                    <a:pos x="connsiteX3" y="connsiteY3"/>
+                  </a:cxn>
+                  <a:cxn ang="0">
+                    <a:pos x="connsiteX4" y="connsiteY4"/>
+                  </a:cxn>
+                  <a:cxn ang="0">
+                    <a:pos x="connsiteX5" y="connsiteY5"/>
+                  </a:cxn>
+                  <a:cxn ang="0">
+                    <a:pos x="connsiteX6" y="connsiteY6"/>
+                  </a:cxn>
+                  <a:cxn ang="0">
+                    <a:pos x="connsiteX7" y="connsiteY7"/>
+                  </a:cxn>
+                  <a:cxn ang="0">
+                    <a:pos x="connsiteX8" y="connsiteY8"/>
+                  </a:cxn>
+                </a:cxnLst>
+                <a:rect l="l" t="t" r="r" b="b"/>
+                <a:pathLst>
+                  <a:path w="177146" h="203929">
+                    <a:moveTo>
+                      <a:pt x="15508" y="36622"/>
+                    </a:moveTo>
+                    <a:cubicBezTo>
+                      <a:pt x="29382" y="27541"/>
+                      <a:pt x="85908" y="-12171"/>
+                      <a:pt x="102778" y="3707"/>
+                    </a:cubicBezTo>
+                    <a:cubicBezTo>
+                      <a:pt x="134589" y="34787"/>
+                      <a:pt x="159996" y="73526"/>
+                      <a:pt x="177147" y="117189"/>
+                    </a:cubicBezTo>
+                    <a:cubicBezTo>
+                      <a:pt x="177147" y="147820"/>
+                      <a:pt x="117644" y="186409"/>
+                      <a:pt x="104762" y="195490"/>
+                    </a:cubicBezTo>
+                    <a:cubicBezTo>
+                      <a:pt x="94128" y="206742"/>
+                      <a:pt x="77707" y="206742"/>
+                      <a:pt x="67072" y="195490"/>
+                    </a:cubicBezTo>
+                    <a:cubicBezTo>
+                      <a:pt x="41702" y="161413"/>
+                      <a:pt x="20975" y="123161"/>
+                      <a:pt x="5585" y="82008"/>
+                    </a:cubicBezTo>
+                    <a:cubicBezTo>
+                      <a:pt x="604" y="74818"/>
+                      <a:pt x="-1174" y="65400"/>
+                      <a:pt x="773" y="56525"/>
+                    </a:cubicBezTo>
+                    <a:cubicBezTo>
+                      <a:pt x="2720" y="47632"/>
+                      <a:pt x="8150" y="40273"/>
+                      <a:pt x="15489" y="36622"/>
+                    </a:cubicBezTo>
+                    <a:lnTo>
+                      <a:pt x="15489" y="36622"/>
+                    </a:lnTo>
+                    <a:close/>
+                  </a:path>
+                </a:pathLst>
+              </a:custGeom>
+              <a:solidFill>
+                <a:srgbClr val="4063D8"/>
+              </a:solidFill>
+              <a:ln w="0" cap="flat">
                 <a:noFill/>
-                <a:ln w="76200">
-                  <a:solidFill>
-                    <a:srgbClr val="000000">
-                      <a:alpha val="14118"/>
-                    </a:srgbClr>
-                  </a:solidFill>
-                </a:ln>
-              </p:spPr>
-              <p:style>
-                <a:lnRef idx="2">
-                  <a:schemeClr val="accent1">
-                    <a:shade val="15000"/>
-                  </a:schemeClr>
-                </a:lnRef>
-                <a:fillRef idx="1">
-                  <a:schemeClr val="accent1"/>
-                </a:fillRef>
-                <a:effectRef idx="0">
-                  <a:schemeClr val="accent1"/>
-                </a:effectRef>
-                <a:fontRef idx="minor">
-                  <a:schemeClr val="lt1"/>
-                </a:fontRef>
-              </p:style>
-              <p:txBody>
-                <a:bodyPr rtlCol="0" anchor="ctr"/>
-                <a:lstStyle/>
-                <a:p>
-                  <a:pPr algn="ctr"/>
-                  <a:endParaRPr lang="en-US"/>
-                </a:p>
-              </p:txBody>
-            </p:sp>
-          </p:grpSp>
-          <p:grpSp>
-            <p:nvGrpSpPr>
-              <p:cNvPr id="10" name="Group 9">
+                <a:prstDash val="solid"/>
+                <a:miter/>
+              </a:ln>
+            </p:spPr>
+            <p:txBody>
+              <a:bodyPr rtlCol="0" anchor="ctr"/>
+              <a:lstStyle/>
+              <a:p>
+                <a:endParaRPr lang="en-US"/>
+              </a:p>
+            </p:txBody>
+          </p:sp>
+          <p:sp>
+            <p:nvSpPr>
+              <p:cNvPr id="89" name="Freeform: Shape 88">
                 <a:extLst>
                   <a:ext uri="{FF2B5EF4-FFF2-40B4-BE49-F238E27FC236}">
-                    <a16:creationId xmlns:a16="http://schemas.microsoft.com/office/drawing/2014/main" id="{58F72235-D8D9-FA70-B0B0-9BA6B89B6A39}"/>
+                    <a16:creationId xmlns:a16="http://schemas.microsoft.com/office/drawing/2014/main" id="{BF157694-626A-3C1F-8269-FEEF51071CAA}"/>
                   </a:ext>
                 </a:extLst>
               </p:cNvPr>
-              <p:cNvGrpSpPr/>
+              <p:cNvSpPr/>
               <p:nvPr/>
-            </p:nvGrpSpPr>
-            <p:grpSpPr>
+            </p:nvSpPr>
+            <p:spPr>
               <a:xfrm>
-                <a:off x="1451748" y="3667610"/>
-                <a:ext cx="99432" cy="99432"/>
-                <a:chOff x="2284413" y="541338"/>
-                <a:chExt cx="425450" cy="425450"/>
+                <a:off x="4088563" y="4093595"/>
+                <a:ext cx="155058" cy="152864"/>
               </a:xfrm>
-            </p:grpSpPr>
-            <p:sp>
-              <p:nvSpPr>
-                <p:cNvPr id="11" name="Oval 10">
-                  <a:extLst>
-                    <a:ext uri="{FF2B5EF4-FFF2-40B4-BE49-F238E27FC236}">
-                      <a16:creationId xmlns:a16="http://schemas.microsoft.com/office/drawing/2014/main" id="{1A43BDBD-510A-AC3F-DCF3-0923FBB80E0D}"/>
-                    </a:ext>
-                  </a:extLst>
-                </p:cNvPr>
-                <p:cNvSpPr/>
-                <p:nvPr/>
-              </p:nvSpPr>
-              <p:spPr>
-                <a:xfrm>
-                  <a:off x="2284413" y="541338"/>
-                  <a:ext cx="425450" cy="425450"/>
-                </a:xfrm>
-                <a:prstGeom prst="ellipse">
-                  <a:avLst/>
-                </a:prstGeom>
-                <a:ln>
-                  <a:noFill/>
-                </a:ln>
-              </p:spPr>
-              <p:style>
-                <a:lnRef idx="2">
-                  <a:schemeClr val="accent1">
-                    <a:shade val="15000"/>
-                  </a:schemeClr>
-                </a:lnRef>
-                <a:fillRef idx="1">
-                  <a:schemeClr val="accent1"/>
-                </a:fillRef>
-                <a:effectRef idx="0">
-                  <a:schemeClr val="accent1"/>
-                </a:effectRef>
-                <a:fontRef idx="minor">
-                  <a:schemeClr val="lt1"/>
-                </a:fontRef>
-              </p:style>
-              <p:txBody>
-                <a:bodyPr rtlCol="0" anchor="ctr"/>
-                <a:lstStyle/>
-                <a:p>
-                  <a:pPr algn="ctr"/>
-                  <a:endParaRPr lang="en-US"/>
-                </a:p>
-              </p:txBody>
-            </p:sp>
-            <p:sp>
-              <p:nvSpPr>
-                <p:cNvPr id="12" name="Oval 11">
-                  <a:extLst>
-                    <a:ext uri="{FF2B5EF4-FFF2-40B4-BE49-F238E27FC236}">
-                      <a16:creationId xmlns:a16="http://schemas.microsoft.com/office/drawing/2014/main" id="{A7820727-AAF1-C4E6-4DDC-77D53250AF84}"/>
-                    </a:ext>
-                  </a:extLst>
-                </p:cNvPr>
-                <p:cNvSpPr/>
-                <p:nvPr/>
-              </p:nvSpPr>
-              <p:spPr>
-                <a:xfrm>
-                  <a:off x="2284413" y="541338"/>
-                  <a:ext cx="425450" cy="425450"/>
-                </a:xfrm>
-                <a:prstGeom prst="ellipse">
-                  <a:avLst/>
-                </a:prstGeom>
-                <a:solidFill>
-                  <a:schemeClr val="accent6"/>
-                </a:solidFill>
-                <a:ln w="76200">
-                  <a:solidFill>
-                    <a:srgbClr val="000000">
-                      <a:alpha val="14118"/>
-                    </a:srgbClr>
-                  </a:solidFill>
-                </a:ln>
-              </p:spPr>
-              <p:style>
-                <a:lnRef idx="2">
-                  <a:schemeClr val="accent1">
-                    <a:shade val="15000"/>
-                  </a:schemeClr>
-                </a:lnRef>
-                <a:fillRef idx="1">
-                  <a:schemeClr val="accent1"/>
-                </a:fillRef>
-                <a:effectRef idx="0">
-                  <a:schemeClr val="accent1"/>
-                </a:effectRef>
-                <a:fontRef idx="minor">
-                  <a:schemeClr val="lt1"/>
-                </a:fontRef>
-              </p:style>
-              <p:txBody>
-                <a:bodyPr rtlCol="0" anchor="ctr"/>
-                <a:lstStyle/>
-                <a:p>
-                  <a:pPr algn="ctr"/>
-                  <a:endParaRPr lang="en-US"/>
-                </a:p>
-              </p:txBody>
-            </p:sp>
-          </p:grpSp>
-          <p:grpSp>
-            <p:nvGrpSpPr>
-              <p:cNvPr id="13" name="Group 12">
-                <a:extLst>
-                  <a:ext uri="{FF2B5EF4-FFF2-40B4-BE49-F238E27FC236}">
-                    <a16:creationId xmlns:a16="http://schemas.microsoft.com/office/drawing/2014/main" id="{25763CD1-BA77-0404-A56E-9A05A4CEA3D2}"/>
-                  </a:ext>
-                </a:extLst>
-              </p:cNvPr>
-              <p:cNvGrpSpPr/>
-              <p:nvPr/>
-            </p:nvGrpSpPr>
-            <p:grpSpPr>
-              <a:xfrm>
-                <a:off x="1618523" y="3500604"/>
-                <a:ext cx="99432" cy="99432"/>
-                <a:chOff x="2476073" y="687318"/>
-                <a:chExt cx="425450" cy="425450"/>
-              </a:xfrm>
-            </p:grpSpPr>
-            <p:sp>
-              <p:nvSpPr>
-                <p:cNvPr id="14" name="Oval 13">
-                  <a:extLst>
-                    <a:ext uri="{FF2B5EF4-FFF2-40B4-BE49-F238E27FC236}">
-                      <a16:creationId xmlns:a16="http://schemas.microsoft.com/office/drawing/2014/main" id="{838E00D8-349C-DB3E-2708-4AB744138C45}"/>
-                    </a:ext>
-                  </a:extLst>
-                </p:cNvPr>
-                <p:cNvSpPr/>
-                <p:nvPr/>
-              </p:nvSpPr>
-              <p:spPr>
-                <a:xfrm>
-                  <a:off x="2476073" y="687318"/>
-                  <a:ext cx="425450" cy="425450"/>
-                </a:xfrm>
-                <a:prstGeom prst="ellipse">
-                  <a:avLst/>
-                </a:prstGeom>
-                <a:solidFill>
-                  <a:srgbClr val="7030A0"/>
-                </a:solidFill>
-                <a:ln>
-                  <a:noFill/>
-                </a:ln>
-              </p:spPr>
-              <p:style>
-                <a:lnRef idx="2">
-                  <a:schemeClr val="accent1">
-                    <a:shade val="15000"/>
-                  </a:schemeClr>
-                </a:lnRef>
-                <a:fillRef idx="1">
-                  <a:schemeClr val="accent1"/>
-                </a:fillRef>
-                <a:effectRef idx="0">
-                  <a:schemeClr val="accent1"/>
-                </a:effectRef>
-                <a:fontRef idx="minor">
-                  <a:schemeClr val="lt1"/>
-                </a:fontRef>
-              </p:style>
-              <p:txBody>
-                <a:bodyPr rtlCol="0" anchor="ctr"/>
-                <a:lstStyle/>
-                <a:p>
-                  <a:pPr algn="ctr"/>
-                  <a:endParaRPr lang="en-US"/>
-                </a:p>
-              </p:txBody>
-            </p:sp>
-            <p:sp>
-              <p:nvSpPr>
-                <p:cNvPr id="15" name="Oval 14">
-                  <a:extLst>
-                    <a:ext uri="{FF2B5EF4-FFF2-40B4-BE49-F238E27FC236}">
-                      <a16:creationId xmlns:a16="http://schemas.microsoft.com/office/drawing/2014/main" id="{0551B69F-6869-1F62-62DF-F49F5CF9FD57}"/>
-                    </a:ext>
-                  </a:extLst>
-                </p:cNvPr>
-                <p:cNvSpPr/>
-                <p:nvPr/>
-              </p:nvSpPr>
-              <p:spPr>
-                <a:xfrm>
-                  <a:off x="2476073" y="687318"/>
-                  <a:ext cx="425450" cy="425450"/>
-                </a:xfrm>
-                <a:prstGeom prst="ellipse">
-                  <a:avLst/>
-                </a:prstGeom>
+              <a:custGeom>
+                <a:avLst/>
+                <a:gdLst>
+                  <a:gd name="connsiteX0" fmla="*/ 8946 w 155058"/>
+                  <a:gd name="connsiteY0" fmla="*/ 35835 h 152864"/>
+                  <a:gd name="connsiteX1" fmla="*/ 108087 w 155058"/>
+                  <a:gd name="connsiteY1" fmla="*/ 5203 h 152864"/>
+                  <a:gd name="connsiteX2" fmla="*/ 153697 w 155058"/>
+                  <a:gd name="connsiteY2" fmla="*/ 80115 h 152864"/>
+                  <a:gd name="connsiteX3" fmla="*/ 137838 w 155058"/>
+                  <a:gd name="connsiteY3" fmla="*/ 114154 h 152864"/>
+                  <a:gd name="connsiteX4" fmla="*/ 80320 w 155058"/>
+                  <a:gd name="connsiteY4" fmla="*/ 150478 h 152864"/>
+                  <a:gd name="connsiteX5" fmla="*/ 51580 w 155058"/>
+                  <a:gd name="connsiteY5" fmla="*/ 137989 h 152864"/>
+                  <a:gd name="connsiteX6" fmla="*/ 8946 w 155058"/>
+                  <a:gd name="connsiteY6" fmla="*/ 84646 h 152864"/>
+                  <a:gd name="connsiteX7" fmla="*/ 8946 w 155058"/>
+                  <a:gd name="connsiteY7" fmla="*/ 35835 h 152864"/>
+                  <a:gd name="connsiteX8" fmla="*/ 8946 w 155058"/>
+                  <a:gd name="connsiteY8" fmla="*/ 35835 h 152864"/>
+                </a:gdLst>
+                <a:ahLst/>
+                <a:cxnLst>
+                  <a:cxn ang="0">
+                    <a:pos x="connsiteX0" y="connsiteY0"/>
+                  </a:cxn>
+                  <a:cxn ang="0">
+                    <a:pos x="connsiteX1" y="connsiteY1"/>
+                  </a:cxn>
+                  <a:cxn ang="0">
+                    <a:pos x="connsiteX2" y="connsiteY2"/>
+                  </a:cxn>
+                  <a:cxn ang="0">
+                    <a:pos x="connsiteX3" y="connsiteY3"/>
+                  </a:cxn>
+                  <a:cxn ang="0">
+                    <a:pos x="connsiteX4" y="connsiteY4"/>
+                  </a:cxn>
+                  <a:cxn ang="0">
+                    <a:pos x="connsiteX5" y="connsiteY5"/>
+                  </a:cxn>
+                  <a:cxn ang="0">
+                    <a:pos x="connsiteX6" y="connsiteY6"/>
+                  </a:cxn>
+                  <a:cxn ang="0">
+                    <a:pos x="connsiteX7" y="connsiteY7"/>
+                  </a:cxn>
+                  <a:cxn ang="0">
+                    <a:pos x="connsiteX8" y="connsiteY8"/>
+                  </a:cxn>
+                </a:cxnLst>
+                <a:rect l="l" t="t" r="r" b="b"/>
+                <a:pathLst>
+                  <a:path w="155058" h="152864">
+                    <a:moveTo>
+                      <a:pt x="8946" y="35835"/>
+                    </a:moveTo>
+                    <a:cubicBezTo>
+                      <a:pt x="21828" y="21099"/>
+                      <a:pt x="93220" y="-12958"/>
+                      <a:pt x="108087" y="5203"/>
+                    </a:cubicBezTo>
+                    <a:cubicBezTo>
+                      <a:pt x="122972" y="23365"/>
+                      <a:pt x="146769" y="72158"/>
+                      <a:pt x="153697" y="80115"/>
+                    </a:cubicBezTo>
+                    <a:cubicBezTo>
+                      <a:pt x="160643" y="88054"/>
+                      <a:pt x="138812" y="98258"/>
+                      <a:pt x="137838" y="114154"/>
+                    </a:cubicBezTo>
+                    <a:cubicBezTo>
+                      <a:pt x="136846" y="130032"/>
+                      <a:pt x="91236" y="144805"/>
+                      <a:pt x="80320" y="150478"/>
+                    </a:cubicBezTo>
+                    <a:cubicBezTo>
+                      <a:pt x="69423" y="156151"/>
+                      <a:pt x="60492" y="151601"/>
+                      <a:pt x="51580" y="137989"/>
+                    </a:cubicBezTo>
+                    <a:cubicBezTo>
+                      <a:pt x="39672" y="118704"/>
+                      <a:pt x="19843" y="99400"/>
+                      <a:pt x="8946" y="84646"/>
+                    </a:cubicBezTo>
+                    <a:cubicBezTo>
+                      <a:pt x="-1969" y="69892"/>
+                      <a:pt x="-3954" y="50607"/>
+                      <a:pt x="8946" y="35835"/>
+                    </a:cubicBezTo>
+                    <a:lnTo>
+                      <a:pt x="8946" y="35835"/>
+                    </a:lnTo>
+                    <a:close/>
+                  </a:path>
+                </a:pathLst>
+              </a:custGeom>
+              <a:solidFill>
+                <a:srgbClr val="9558B2"/>
+              </a:solidFill>
+              <a:ln w="0" cap="flat">
                 <a:noFill/>
-                <a:ln w="76200">
-                  <a:solidFill>
-                    <a:srgbClr val="000000">
-                      <a:alpha val="14118"/>
-                    </a:srgbClr>
-                  </a:solidFill>
-                </a:ln>
-              </p:spPr>
-              <p:style>
-                <a:lnRef idx="2">
-                  <a:schemeClr val="accent1">
-                    <a:shade val="15000"/>
-                  </a:schemeClr>
-                </a:lnRef>
-                <a:fillRef idx="1">
-                  <a:schemeClr val="accent1"/>
-                </a:fillRef>
-                <a:effectRef idx="0">
-                  <a:schemeClr val="accent1"/>
-                </a:effectRef>
-                <a:fontRef idx="minor">
-                  <a:schemeClr val="lt1"/>
-                </a:fontRef>
-              </p:style>
-              <p:txBody>
-                <a:bodyPr rtlCol="0" anchor="ctr"/>
-                <a:lstStyle/>
-                <a:p>
-                  <a:pPr algn="ctr"/>
-                  <a:endParaRPr lang="en-US"/>
-                </a:p>
-              </p:txBody>
-            </p:sp>
-          </p:grpSp>
+                <a:prstDash val="solid"/>
+                <a:miter/>
+              </a:ln>
+            </p:spPr>
+            <p:txBody>
+              <a:bodyPr rtlCol="0" anchor="ctr"/>
+              <a:lstStyle/>
+              <a:p>
+                <a:endParaRPr lang="en-US"/>
+              </a:p>
+            </p:txBody>
+          </p:sp>
         </p:grpSp>
       </p:grpSp>
     </p:spTree>
     <p:extLst>
       <p:ext uri="{BB962C8B-B14F-4D97-AF65-F5344CB8AC3E}">
-        <p14:creationId xmlns:p14="http://schemas.microsoft.com/office/powerpoint/2010/main" val="2929133244"/>
+        <p14:creationId xmlns:p14="http://schemas.microsoft.com/office/powerpoint/2010/main" val="2494555657"/>
       </p:ext>
     </p:extLst>
   </p:cSld>
